--- a/Slides/02. Configuração da Janela.pptx
+++ b/Slides/02. Configuração da Janela.pptx
@@ -152,8 +152,8 @@
 <file path=ppt/revisionInfo.xml><?xml version="1.0" encoding="utf-8"?>
 <p1510:revInfo xmlns:a="http://schemas.openxmlformats.org/drawingml/2006/main" xmlns:r="http://schemas.openxmlformats.org/officeDocument/2006/relationships" xmlns:p1510="http://schemas.microsoft.com/office/powerpoint/2015/10/main">
   <p1510:revLst>
-    <p1510:client id="{386B1694-FB9B-4F19-9CD5-A4F9637AA3B8}" v="93" dt="2021-07-24T02:35:26.816"/>
-    <p1510:client id="{A5E76BCC-EF79-A146-8EF2-6F11F540A14D}" v="35" dt="2021-07-24T04:09:07.858"/>
+    <p1510:client id="{386B1694-FB9B-4F19-9CD5-A4F9637AA3B8}" v="95" dt="2021-07-25T17:36:21.947"/>
+    <p1510:client id="{A5E76BCC-EF79-A146-8EF2-6F11F540A14D}" v="36" dt="2021-07-25T03:41:36.290"/>
   </p1510:revLst>
 </p1510:revInfo>
 </file>
@@ -1747,12 +1747,19 @@
   <pc:docChgLst>
     <pc:chgData name="Judson Santiago" userId="ebb108da2f256286" providerId="LiveId" clId="{386B1694-FB9B-4F19-9CD5-A4F9637AA3B8}"/>
     <pc:docChg chg="undo redo custSel addSld delSld modSld modMainMaster">
-      <pc:chgData name="Judson Santiago" userId="ebb108da2f256286" providerId="LiveId" clId="{386B1694-FB9B-4F19-9CD5-A4F9637AA3B8}" dt="2021-07-24T20:21:25.037" v="2810" actId="21"/>
+      <pc:chgData name="Judson Santiago" userId="ebb108da2f256286" providerId="LiveId" clId="{386B1694-FB9B-4F19-9CD5-A4F9637AA3B8}" dt="2021-07-25T17:37:45.722" v="2827" actId="14100"/>
       <pc:docMkLst>
         <pc:docMk/>
       </pc:docMkLst>
-      <pc:sldChg chg="addSp delSp modSp mod modNotesTx">
-        <pc:chgData name="Judson Santiago" userId="ebb108da2f256286" providerId="LiveId" clId="{386B1694-FB9B-4F19-9CD5-A4F9637AA3B8}" dt="2021-07-23T19:39:41.362" v="952" actId="20577"/>
+      <pc:sldChg chg="modTransition">
+        <pc:chgData name="Judson Santiago" userId="ebb108da2f256286" providerId="LiveId" clId="{386B1694-FB9B-4F19-9CD5-A4F9637AA3B8}" dt="2021-07-25T17:36:21.947" v="2823"/>
+        <pc:sldMkLst>
+          <pc:docMk/>
+          <pc:sldMk cId="904695914" sldId="325"/>
+        </pc:sldMkLst>
+      </pc:sldChg>
+      <pc:sldChg chg="addSp delSp modSp mod modTransition modNotesTx">
+        <pc:chgData name="Judson Santiago" userId="ebb108da2f256286" providerId="LiveId" clId="{386B1694-FB9B-4F19-9CD5-A4F9637AA3B8}" dt="2021-07-25T17:36:21.947" v="2823"/>
         <pc:sldMkLst>
           <pc:docMk/>
           <pc:sldMk cId="1085080679" sldId="326"/>
@@ -1862,8 +1869,8 @@
           </ac:cxnSpMkLst>
         </pc:cxnChg>
       </pc:sldChg>
-      <pc:sldChg chg="addSp delSp modSp mod">
-        <pc:chgData name="Judson Santiago" userId="ebb108da2f256286" providerId="LiveId" clId="{386B1694-FB9B-4F19-9CD5-A4F9637AA3B8}" dt="2021-07-23T18:05:50.009" v="206" actId="20577"/>
+      <pc:sldChg chg="addSp delSp modSp mod modTransition">
+        <pc:chgData name="Judson Santiago" userId="ebb108da2f256286" providerId="LiveId" clId="{386B1694-FB9B-4F19-9CD5-A4F9637AA3B8}" dt="2021-07-25T17:36:21.947" v="2823"/>
         <pc:sldMkLst>
           <pc:docMk/>
           <pc:sldMk cId="102180636" sldId="327"/>
@@ -1925,8 +1932,8 @@
           </ac:picMkLst>
         </pc:picChg>
       </pc:sldChg>
-      <pc:sldChg chg="modSp mod">
-        <pc:chgData name="Judson Santiago" userId="ebb108da2f256286" providerId="LiveId" clId="{386B1694-FB9B-4F19-9CD5-A4F9637AA3B8}" dt="2021-07-23T17:49:32.567" v="116" actId="1076"/>
+      <pc:sldChg chg="modSp mod modTransition">
+        <pc:chgData name="Judson Santiago" userId="ebb108da2f256286" providerId="LiveId" clId="{386B1694-FB9B-4F19-9CD5-A4F9637AA3B8}" dt="2021-07-25T17:36:21.947" v="2823"/>
         <pc:sldMkLst>
           <pc:docMk/>
           <pc:sldMk cId="3616194188" sldId="328"/>
@@ -1956,8 +1963,8 @@
           </ac:picMkLst>
         </pc:picChg>
       </pc:sldChg>
-      <pc:sldChg chg="modSp mod">
-        <pc:chgData name="Judson Santiago" userId="ebb108da2f256286" providerId="LiveId" clId="{386B1694-FB9B-4F19-9CD5-A4F9637AA3B8}" dt="2021-07-23T18:15:00.734" v="614" actId="207"/>
+      <pc:sldChg chg="modSp mod modTransition">
+        <pc:chgData name="Judson Santiago" userId="ebb108da2f256286" providerId="LiveId" clId="{386B1694-FB9B-4F19-9CD5-A4F9637AA3B8}" dt="2021-07-25T17:36:21.947" v="2823"/>
         <pc:sldMkLst>
           <pc:docMk/>
           <pc:sldMk cId="1273814455" sldId="329"/>
@@ -2051,8 +2058,8 @@
           </ac:cxnSpMkLst>
         </pc:cxnChg>
       </pc:sldChg>
-      <pc:sldChg chg="modSp mod">
-        <pc:chgData name="Judson Santiago" userId="ebb108da2f256286" providerId="LiveId" clId="{386B1694-FB9B-4F19-9CD5-A4F9637AA3B8}" dt="2021-07-23T19:09:24.660" v="618" actId="207"/>
+      <pc:sldChg chg="modSp mod modTransition">
+        <pc:chgData name="Judson Santiago" userId="ebb108da2f256286" providerId="LiveId" clId="{386B1694-FB9B-4F19-9CD5-A4F9637AA3B8}" dt="2021-07-25T17:36:21.947" v="2823"/>
         <pc:sldMkLst>
           <pc:docMk/>
           <pc:sldMk cId="1996522921" sldId="330"/>
@@ -2106,8 +2113,8 @@
           </ac:spMkLst>
         </pc:spChg>
       </pc:sldChg>
-      <pc:sldChg chg="addSp delSp modSp mod">
-        <pc:chgData name="Judson Santiago" userId="ebb108da2f256286" providerId="LiveId" clId="{386B1694-FB9B-4F19-9CD5-A4F9637AA3B8}" dt="2021-07-24T01:53:56.229" v="1933" actId="6549"/>
+      <pc:sldChg chg="addSp delSp modSp mod modTransition">
+        <pc:chgData name="Judson Santiago" userId="ebb108da2f256286" providerId="LiveId" clId="{386B1694-FB9B-4F19-9CD5-A4F9637AA3B8}" dt="2021-07-25T17:37:09.047" v="2825" actId="1035"/>
         <pc:sldMkLst>
           <pc:docMk/>
           <pc:sldMk cId="2653339053" sldId="331"/>
@@ -2129,7 +2136,7 @@
           </ac:spMkLst>
         </pc:spChg>
         <pc:spChg chg="add mod ord topLvl">
-          <ac:chgData name="Judson Santiago" userId="ebb108da2f256286" providerId="LiveId" clId="{386B1694-FB9B-4F19-9CD5-A4F9637AA3B8}" dt="2021-07-24T01:53:04.307" v="1929" actId="164"/>
+          <ac:chgData name="Judson Santiago" userId="ebb108da2f256286" providerId="LiveId" clId="{386B1694-FB9B-4F19-9CD5-A4F9637AA3B8}" dt="2021-07-25T17:37:09.047" v="2825" actId="1035"/>
           <ac:spMkLst>
             <pc:docMk/>
             <pc:sldMk cId="2653339053" sldId="331"/>
@@ -2281,8 +2288,8 @@
           </ac:cxnSpMkLst>
         </pc:cxnChg>
       </pc:sldChg>
-      <pc:sldChg chg="addSp delSp modSp mod modNotesTx">
-        <pc:chgData name="Judson Santiago" userId="ebb108da2f256286" providerId="LiveId" clId="{386B1694-FB9B-4F19-9CD5-A4F9637AA3B8}" dt="2021-07-24T02:42:12.521" v="2809" actId="20577"/>
+      <pc:sldChg chg="addSp delSp modSp mod modTransition modNotesTx">
+        <pc:chgData name="Judson Santiago" userId="ebb108da2f256286" providerId="LiveId" clId="{386B1694-FB9B-4F19-9CD5-A4F9637AA3B8}" dt="2021-07-25T17:36:21.947" v="2823"/>
         <pc:sldMkLst>
           <pc:docMk/>
           <pc:sldMk cId="1744335074" sldId="332"/>
@@ -2471,6 +2478,20 @@
             <ac:cxnSpMk id="12" creationId="{0760B95D-F878-48AA-AF19-8BBA9A80A144}"/>
           </ac:cxnSpMkLst>
         </pc:cxnChg>
+      </pc:sldChg>
+      <pc:sldChg chg="modTransition">
+        <pc:chgData name="Judson Santiago" userId="ebb108da2f256286" providerId="LiveId" clId="{386B1694-FB9B-4F19-9CD5-A4F9637AA3B8}" dt="2021-07-25T17:36:21.947" v="2823"/>
+        <pc:sldMkLst>
+          <pc:docMk/>
+          <pc:sldMk cId="3322776748" sldId="333"/>
+        </pc:sldMkLst>
+      </pc:sldChg>
+      <pc:sldChg chg="modTransition">
+        <pc:chgData name="Judson Santiago" userId="ebb108da2f256286" providerId="LiveId" clId="{386B1694-FB9B-4F19-9CD5-A4F9637AA3B8}" dt="2021-07-25T17:36:21.947" v="2823"/>
+        <pc:sldMkLst>
+          <pc:docMk/>
+          <pc:sldMk cId="1544407006" sldId="334"/>
+        </pc:sldMkLst>
       </pc:sldChg>
       <pc:sldChg chg="del">
         <pc:chgData name="Judson Santiago" userId="ebb108da2f256286" providerId="LiveId" clId="{386B1694-FB9B-4F19-9CD5-A4F9637AA3B8}" dt="2021-07-23T17:54:29.137" v="127" actId="47"/>
@@ -2486,6 +2507,20 @@
           <pc:sldMk cId="747625602" sldId="337"/>
         </pc:sldMkLst>
       </pc:sldChg>
+      <pc:sldChg chg="modTransition">
+        <pc:chgData name="Judson Santiago" userId="ebb108da2f256286" providerId="LiveId" clId="{386B1694-FB9B-4F19-9CD5-A4F9637AA3B8}" dt="2021-07-25T17:36:21.947" v="2823"/>
+        <pc:sldMkLst>
+          <pc:docMk/>
+          <pc:sldMk cId="1214187908" sldId="338"/>
+        </pc:sldMkLst>
+      </pc:sldChg>
+      <pc:sldChg chg="modTransition">
+        <pc:chgData name="Judson Santiago" userId="ebb108da2f256286" providerId="LiveId" clId="{386B1694-FB9B-4F19-9CD5-A4F9637AA3B8}" dt="2021-07-25T17:36:21.947" v="2823"/>
+        <pc:sldMkLst>
+          <pc:docMk/>
+          <pc:sldMk cId="3483164427" sldId="339"/>
+        </pc:sldMkLst>
+      </pc:sldChg>
       <pc:sldChg chg="del">
         <pc:chgData name="Judson Santiago" userId="ebb108da2f256286" providerId="LiveId" clId="{386B1694-FB9B-4F19-9CD5-A4F9637AA3B8}" dt="2021-07-23T17:54:21.996" v="126" actId="47"/>
         <pc:sldMkLst>
@@ -2493,8 +2528,8 @@
           <pc:sldMk cId="2437798361" sldId="340"/>
         </pc:sldMkLst>
       </pc:sldChg>
-      <pc:sldChg chg="modSp mod">
-        <pc:chgData name="Judson Santiago" userId="ebb108da2f256286" providerId="LiveId" clId="{386B1694-FB9B-4F19-9CD5-A4F9637AA3B8}" dt="2021-07-23T17:50:31.126" v="119" actId="404"/>
+      <pc:sldChg chg="modSp mod modTransition">
+        <pc:chgData name="Judson Santiago" userId="ebb108da2f256286" providerId="LiveId" clId="{386B1694-FB9B-4F19-9CD5-A4F9637AA3B8}" dt="2021-07-25T17:36:21.947" v="2823"/>
         <pc:sldMkLst>
           <pc:docMk/>
           <pc:sldMk cId="2016144738" sldId="341"/>
@@ -2532,8 +2567,8 @@
           </ac:picMkLst>
         </pc:picChg>
       </pc:sldChg>
-      <pc:sldChg chg="addSp modSp new mod">
-        <pc:chgData name="Judson Santiago" userId="ebb108da2f256286" providerId="LiveId" clId="{386B1694-FB9B-4F19-9CD5-A4F9637AA3B8}" dt="2021-07-23T18:24:24.942" v="615" actId="207"/>
+      <pc:sldChg chg="addSp modSp new mod modTransition">
+        <pc:chgData name="Judson Santiago" userId="ebb108da2f256286" providerId="LiveId" clId="{386B1694-FB9B-4F19-9CD5-A4F9637AA3B8}" dt="2021-07-25T17:36:21.947" v="2823"/>
         <pc:sldMkLst>
           <pc:docMk/>
           <pc:sldMk cId="1977032177" sldId="342"/>
@@ -2587,8 +2622,8 @@
           </ac:spMkLst>
         </pc:spChg>
       </pc:sldChg>
-      <pc:sldChg chg="addSp delSp modSp add mod">
-        <pc:chgData name="Judson Santiago" userId="ebb108da2f256286" providerId="LiveId" clId="{386B1694-FB9B-4F19-9CD5-A4F9637AA3B8}" dt="2021-07-24T02:04:12.897" v="1976" actId="14100"/>
+      <pc:sldChg chg="addSp delSp modSp add mod modTransition">
+        <pc:chgData name="Judson Santiago" userId="ebb108da2f256286" providerId="LiveId" clId="{386B1694-FB9B-4F19-9CD5-A4F9637AA3B8}" dt="2021-07-25T17:37:45.722" v="2827" actId="14100"/>
         <pc:sldMkLst>
           <pc:docMk/>
           <pc:sldMk cId="3135992663" sldId="343"/>
@@ -2609,8 +2644,8 @@
             <ac:spMk id="4" creationId="{00000000-0000-0000-0000-000000000000}"/>
           </ac:spMkLst>
         </pc:spChg>
-        <pc:spChg chg="mod topLvl">
-          <ac:chgData name="Judson Santiago" userId="ebb108da2f256286" providerId="LiveId" clId="{386B1694-FB9B-4F19-9CD5-A4F9637AA3B8}" dt="2021-07-24T02:03:12.144" v="1968" actId="1076"/>
+        <pc:spChg chg="mod ord topLvl">
+          <ac:chgData name="Judson Santiago" userId="ebb108da2f256286" providerId="LiveId" clId="{386B1694-FB9B-4F19-9CD5-A4F9637AA3B8}" dt="2021-07-25T17:37:31.563" v="2826" actId="14100"/>
           <ac:spMkLst>
             <pc:docMk/>
             <pc:sldMk cId="3135992663" sldId="343"/>
@@ -2618,7 +2653,7 @@
           </ac:spMkLst>
         </pc:spChg>
         <pc:spChg chg="mod topLvl">
-          <ac:chgData name="Judson Santiago" userId="ebb108da2f256286" providerId="LiveId" clId="{386B1694-FB9B-4F19-9CD5-A4F9637AA3B8}" dt="2021-07-24T02:03:12.144" v="1968" actId="1076"/>
+          <ac:chgData name="Judson Santiago" userId="ebb108da2f256286" providerId="LiveId" clId="{386B1694-FB9B-4F19-9CD5-A4F9637AA3B8}" dt="2021-07-24T22:10:26.029" v="2811" actId="164"/>
           <ac:spMkLst>
             <pc:docMk/>
             <pc:sldMk cId="3135992663" sldId="343"/>
@@ -2626,7 +2661,7 @@
           </ac:spMkLst>
         </pc:spChg>
         <pc:spChg chg="mod topLvl">
-          <ac:chgData name="Judson Santiago" userId="ebb108da2f256286" providerId="LiveId" clId="{386B1694-FB9B-4F19-9CD5-A4F9637AA3B8}" dt="2021-07-24T02:03:12.144" v="1968" actId="1076"/>
+          <ac:chgData name="Judson Santiago" userId="ebb108da2f256286" providerId="LiveId" clId="{386B1694-FB9B-4F19-9CD5-A4F9637AA3B8}" dt="2021-07-24T22:10:26.029" v="2811" actId="164"/>
           <ac:spMkLst>
             <pc:docMk/>
             <pc:sldMk cId="3135992663" sldId="343"/>
@@ -2634,7 +2669,7 @@
           </ac:spMkLst>
         </pc:spChg>
         <pc:spChg chg="add mod">
-          <ac:chgData name="Judson Santiago" userId="ebb108da2f256286" providerId="LiveId" clId="{386B1694-FB9B-4F19-9CD5-A4F9637AA3B8}" dt="2021-07-24T02:03:12.144" v="1968" actId="1076"/>
+          <ac:chgData name="Judson Santiago" userId="ebb108da2f256286" providerId="LiveId" clId="{386B1694-FB9B-4F19-9CD5-A4F9637AA3B8}" dt="2021-07-24T22:10:26.029" v="2811" actId="164"/>
           <ac:spMkLst>
             <pc:docMk/>
             <pc:sldMk cId="3135992663" sldId="343"/>
@@ -2642,7 +2677,7 @@
           </ac:spMkLst>
         </pc:spChg>
         <pc:spChg chg="add mod">
-          <ac:chgData name="Judson Santiago" userId="ebb108da2f256286" providerId="LiveId" clId="{386B1694-FB9B-4F19-9CD5-A4F9637AA3B8}" dt="2021-07-24T02:03:18.069" v="1969" actId="1076"/>
+          <ac:chgData name="Judson Santiago" userId="ebb108da2f256286" providerId="LiveId" clId="{386B1694-FB9B-4F19-9CD5-A4F9637AA3B8}" dt="2021-07-24T22:10:26.029" v="2811" actId="164"/>
           <ac:spMkLst>
             <pc:docMk/>
             <pc:sldMk cId="3135992663" sldId="343"/>
@@ -2650,7 +2685,7 @@
           </ac:spMkLst>
         </pc:spChg>
         <pc:spChg chg="add mod">
-          <ac:chgData name="Judson Santiago" userId="ebb108da2f256286" providerId="LiveId" clId="{386B1694-FB9B-4F19-9CD5-A4F9637AA3B8}" dt="2021-07-24T02:03:42.803" v="1972" actId="553"/>
+          <ac:chgData name="Judson Santiago" userId="ebb108da2f256286" providerId="LiveId" clId="{386B1694-FB9B-4F19-9CD5-A4F9637AA3B8}" dt="2021-07-24T22:10:26.029" v="2811" actId="164"/>
           <ac:spMkLst>
             <pc:docMk/>
             <pc:sldMk cId="3135992663" sldId="343"/>
@@ -2658,7 +2693,7 @@
           </ac:spMkLst>
         </pc:spChg>
         <pc:spChg chg="add mod">
-          <ac:chgData name="Judson Santiago" userId="ebb108da2f256286" providerId="LiveId" clId="{386B1694-FB9B-4F19-9CD5-A4F9637AA3B8}" dt="2021-07-24T02:03:42.803" v="1972" actId="553"/>
+          <ac:chgData name="Judson Santiago" userId="ebb108da2f256286" providerId="LiveId" clId="{386B1694-FB9B-4F19-9CD5-A4F9637AA3B8}" dt="2021-07-24T22:10:26.029" v="2811" actId="164"/>
           <ac:spMkLst>
             <pc:docMk/>
             <pc:sldMk cId="3135992663" sldId="343"/>
@@ -2673,8 +2708,16 @@
             <ac:grpSpMk id="5" creationId="{5D26482D-A6AC-4CC8-A923-47C35B9EB54B}"/>
           </ac:grpSpMkLst>
         </pc:grpChg>
-        <pc:picChg chg="mod topLvl">
-          <ac:chgData name="Judson Santiago" userId="ebb108da2f256286" providerId="LiveId" clId="{386B1694-FB9B-4F19-9CD5-A4F9637AA3B8}" dt="2021-07-24T02:03:12.144" v="1968" actId="1076"/>
+        <pc:grpChg chg="add mod">
+          <ac:chgData name="Judson Santiago" userId="ebb108da2f256286" providerId="LiveId" clId="{386B1694-FB9B-4F19-9CD5-A4F9637AA3B8}" dt="2021-07-24T22:10:26.029" v="2811" actId="164"/>
+          <ac:grpSpMkLst>
+            <pc:docMk/>
+            <pc:sldMk cId="3135992663" sldId="343"/>
+            <ac:grpSpMk id="5" creationId="{CDBDEC5F-C4BE-4878-9F42-E9F3F1B66568}"/>
+          </ac:grpSpMkLst>
+        </pc:grpChg>
+        <pc:picChg chg="mod ord topLvl">
+          <ac:chgData name="Judson Santiago" userId="ebb108da2f256286" providerId="LiveId" clId="{386B1694-FB9B-4F19-9CD5-A4F9637AA3B8}" dt="2021-07-24T22:10:45.748" v="2812" actId="166"/>
           <ac:picMkLst>
             <pc:docMk/>
             <pc:sldMk cId="3135992663" sldId="343"/>
@@ -2682,7 +2725,7 @@
           </ac:picMkLst>
         </pc:picChg>
         <pc:cxnChg chg="mod topLvl">
-          <ac:chgData name="Judson Santiago" userId="ebb108da2f256286" providerId="LiveId" clId="{386B1694-FB9B-4F19-9CD5-A4F9637AA3B8}" dt="2021-07-24T02:04:12.897" v="1976" actId="14100"/>
+          <ac:chgData name="Judson Santiago" userId="ebb108da2f256286" providerId="LiveId" clId="{386B1694-FB9B-4F19-9CD5-A4F9637AA3B8}" dt="2021-07-24T22:10:26.029" v="2811" actId="164"/>
           <ac:cxnSpMkLst>
             <pc:docMk/>
             <pc:sldMk cId="3135992663" sldId="343"/>
@@ -2690,7 +2733,7 @@
           </ac:cxnSpMkLst>
         </pc:cxnChg>
         <pc:cxnChg chg="mod topLvl">
-          <ac:chgData name="Judson Santiago" userId="ebb108da2f256286" providerId="LiveId" clId="{386B1694-FB9B-4F19-9CD5-A4F9637AA3B8}" dt="2021-07-24T02:04:01.491" v="1974" actId="14100"/>
+          <ac:chgData name="Judson Santiago" userId="ebb108da2f256286" providerId="LiveId" clId="{386B1694-FB9B-4F19-9CD5-A4F9637AA3B8}" dt="2021-07-24T22:10:26.029" v="2811" actId="164"/>
           <ac:cxnSpMkLst>
             <pc:docMk/>
             <pc:sldMk cId="3135992663" sldId="343"/>
@@ -2698,7 +2741,7 @@
           </ac:cxnSpMkLst>
         </pc:cxnChg>
         <pc:cxnChg chg="add mod">
-          <ac:chgData name="Judson Santiago" userId="ebb108da2f256286" providerId="LiveId" clId="{386B1694-FB9B-4F19-9CD5-A4F9637AA3B8}" dt="2021-07-24T02:03:12.144" v="1968" actId="1076"/>
+          <ac:chgData name="Judson Santiago" userId="ebb108da2f256286" providerId="LiveId" clId="{386B1694-FB9B-4F19-9CD5-A4F9637AA3B8}" dt="2021-07-24T22:11:09.667" v="2817" actId="1035"/>
           <ac:cxnSpMkLst>
             <pc:docMk/>
             <pc:sldMk cId="3135992663" sldId="343"/>
@@ -2706,7 +2749,7 @@
           </ac:cxnSpMkLst>
         </pc:cxnChg>
         <pc:cxnChg chg="add mod">
-          <ac:chgData name="Judson Santiago" userId="ebb108da2f256286" providerId="LiveId" clId="{386B1694-FB9B-4F19-9CD5-A4F9637AA3B8}" dt="2021-07-24T02:03:12.144" v="1968" actId="1076"/>
+          <ac:chgData name="Judson Santiago" userId="ebb108da2f256286" providerId="LiveId" clId="{386B1694-FB9B-4F19-9CD5-A4F9637AA3B8}" dt="2021-07-24T22:11:13.587" v="2818" actId="1037"/>
           <ac:cxnSpMkLst>
             <pc:docMk/>
             <pc:sldMk cId="3135992663" sldId="343"/>
@@ -2714,7 +2757,7 @@
           </ac:cxnSpMkLst>
         </pc:cxnChg>
         <pc:cxnChg chg="add mod">
-          <ac:chgData name="Judson Santiago" userId="ebb108da2f256286" providerId="LiveId" clId="{386B1694-FB9B-4F19-9CD5-A4F9637AA3B8}" dt="2021-07-24T02:03:12.144" v="1968" actId="1076"/>
+          <ac:chgData name="Judson Santiago" userId="ebb108da2f256286" providerId="LiveId" clId="{386B1694-FB9B-4F19-9CD5-A4F9637AA3B8}" dt="2021-07-24T22:11:36.627" v="2821" actId="1036"/>
           <ac:cxnSpMkLst>
             <pc:docMk/>
             <pc:sldMk cId="3135992663" sldId="343"/>
@@ -2722,7 +2765,7 @@
           </ac:cxnSpMkLst>
         </pc:cxnChg>
         <pc:cxnChg chg="add mod">
-          <ac:chgData name="Judson Santiago" userId="ebb108da2f256286" providerId="LiveId" clId="{386B1694-FB9B-4F19-9CD5-A4F9637AA3B8}" dt="2021-07-24T02:03:12.144" v="1968" actId="1076"/>
+          <ac:chgData name="Judson Santiago" userId="ebb108da2f256286" providerId="LiveId" clId="{386B1694-FB9B-4F19-9CD5-A4F9637AA3B8}" dt="2021-07-25T17:37:45.722" v="2827" actId="14100"/>
           <ac:cxnSpMkLst>
             <pc:docMk/>
             <pc:sldMk cId="3135992663" sldId="343"/>
@@ -2730,8 +2773,8 @@
           </ac:cxnSpMkLst>
         </pc:cxnChg>
       </pc:sldChg>
-      <pc:sldChg chg="addSp delSp modSp add mod">
-        <pc:chgData name="Judson Santiago" userId="ebb108da2f256286" providerId="LiveId" clId="{386B1694-FB9B-4F19-9CD5-A4F9637AA3B8}" dt="2021-07-24T02:15:45.736" v="2097" actId="167"/>
+      <pc:sldChg chg="addSp delSp modSp add mod modTransition">
+        <pc:chgData name="Judson Santiago" userId="ebb108da2f256286" providerId="LiveId" clId="{386B1694-FB9B-4F19-9CD5-A4F9637AA3B8}" dt="2021-07-25T17:36:21.947" v="2823"/>
         <pc:sldMkLst>
           <pc:docMk/>
           <pc:sldMk cId="211965196" sldId="344"/>
@@ -2873,8 +2916,8 @@
           </ac:cxnSpMkLst>
         </pc:cxnChg>
       </pc:sldChg>
-      <pc:sldChg chg="addSp delSp modSp add mod modNotesTx">
-        <pc:chgData name="Judson Santiago" userId="ebb108da2f256286" providerId="LiveId" clId="{386B1694-FB9B-4F19-9CD5-A4F9637AA3B8}" dt="2021-07-24T02:39:14.153" v="2626" actId="1076"/>
+      <pc:sldChg chg="addSp delSp modSp add mod modTransition modNotesTx">
+        <pc:chgData name="Judson Santiago" userId="ebb108da2f256286" providerId="LiveId" clId="{386B1694-FB9B-4F19-9CD5-A4F9637AA3B8}" dt="2021-07-25T17:36:21.947" v="2823"/>
         <pc:sldMkLst>
           <pc:docMk/>
           <pc:sldMk cId="2392311280" sldId="345"/>
@@ -3214,7 +3257,7 @@
           <a:p>
             <a:fld id="{D87CF86A-545B-41B8-A3E2-B1C42763E569}" type="datetimeFigureOut">
               <a:rPr lang="pt-BR" smtClean="0"/>
-              <a:t>24/07/2021</a:t>
+              <a:t>25/07/2021</a:t>
             </a:fld>
             <a:endParaRPr lang="pt-BR"/>
           </a:p>
@@ -3380,7 +3423,7 @@
             <a:fld id="{4C457FC9-8E1D-4A40-BFF1-0E630693B1AB}" type="datetimeFigureOut">
               <a:rPr lang="pt-BR" smtClean="0"/>
               <a:pPr/>
-              <a:t>24/07/2021</a:t>
+              <a:t>25/07/2021</a:t>
             </a:fld>
             <a:endParaRPr lang="pt-BR"/>
           </a:p>
@@ -3695,9 +3738,18 @@
           <a:lstStyle/>
           <a:p>
             <a:r>
-              <a:rPr lang="pt-BR" dirty="0"/>
-              <a:t>A resolução da tela é o número de pixels na horizontal e o número de pixels na vertical. Como vimos na aula passada, ela pode ser encontrada pela função GetSystemMetrics.</a:t>
-            </a:r>
+              <a:rPr lang="pt-BR" sz="1200" b="0" i="0" u="none" strike="noStrike" kern="1200" dirty="0">
+                <a:solidFill>
+                  <a:schemeClr val="tx1"/>
+                </a:solidFill>
+                <a:effectLst/>
+                <a:latin typeface="+mn-lt"/>
+                <a:ea typeface="+mn-ea"/>
+                <a:cs typeface="+mn-cs"/>
+              </a:rPr>
+              <a:t>Adaptando as janelas do Windows para a criação de jogos. Modos de exibição: tela cheia e em janela. Configurações para a criação de janelas.  Personalização do ícone e cursor da aplicação.</a:t>
+            </a:r>
+            <a:endParaRPr lang="pt-BR" dirty="0"/>
           </a:p>
         </p:txBody>
       </p:sp>
@@ -3719,7 +3771,7 @@
             <a:fld id="{EF334A8D-C5BE-432D-90D0-92D67DD437AB}" type="slidenum">
               <a:rPr lang="pt-BR" smtClean="0"/>
               <a:pPr/>
-              <a:t>2</a:t>
+              <a:t>1</a:t>
             </a:fld>
             <a:endParaRPr lang="pt-BR"/>
           </a:p>
@@ -3728,7 +3780,7 @@
     </p:spTree>
     <p:extLst>
       <p:ext uri="{BB962C8B-B14F-4D97-AF65-F5344CB8AC3E}">
-        <p14:creationId xmlns:p14="http://schemas.microsoft.com/office/powerpoint/2010/main" val="90242370"/>
+        <p14:creationId xmlns:p14="http://schemas.microsoft.com/office/powerpoint/2010/main" val="27280743"/>
       </p:ext>
     </p:extLst>
   </p:cSld>
@@ -3739,6 +3791,91 @@
 </file>
 
 <file path=ppt/notesSlides/notesSlide10.xml><?xml version="1.0" encoding="utf-8"?>
+<p:notes xmlns:a="http://schemas.openxmlformats.org/drawingml/2006/main" xmlns:r="http://schemas.openxmlformats.org/officeDocument/2006/relationships" xmlns:p="http://schemas.openxmlformats.org/presentationml/2006/main">
+  <p:cSld>
+    <p:spTree>
+      <p:nvGrpSpPr>
+        <p:cNvPr id="1" name=""/>
+        <p:cNvGrpSpPr/>
+        <p:nvPr/>
+      </p:nvGrpSpPr>
+      <p:grpSpPr>
+        <a:xfrm>
+          <a:off x="0" y="0"/>
+          <a:ext cx="0" cy="0"/>
+          <a:chOff x="0" y="0"/>
+          <a:chExt cx="0" cy="0"/>
+        </a:xfrm>
+      </p:grpSpPr>
+      <p:sp>
+        <p:nvSpPr>
+          <p:cNvPr id="2" name="Espaço Reservado para Imagem de Slide 1"/>
+          <p:cNvSpPr>
+            <a:spLocks noGrp="1" noRot="1" noChangeAspect="1"/>
+          </p:cNvSpPr>
+          <p:nvPr>
+            <p:ph type="sldImg"/>
+          </p:nvPr>
+        </p:nvSpPr>
+        <p:spPr/>
+      </p:sp>
+      <p:sp>
+        <p:nvSpPr>
+          <p:cNvPr id="3" name="Espaço Reservado para Anotações 2"/>
+          <p:cNvSpPr>
+            <a:spLocks noGrp="1"/>
+          </p:cNvSpPr>
+          <p:nvPr>
+            <p:ph type="body" idx="1"/>
+          </p:nvPr>
+        </p:nvSpPr>
+        <p:spPr/>
+        <p:txBody>
+          <a:bodyPr/>
+          <a:lstStyle/>
+          <a:p>
+            <a:endParaRPr lang="pt-BR" dirty="0"/>
+          </a:p>
+        </p:txBody>
+      </p:sp>
+      <p:sp>
+        <p:nvSpPr>
+          <p:cNvPr id="4" name="Espaço Reservado para Número de Slide 3"/>
+          <p:cNvSpPr>
+            <a:spLocks noGrp="1"/>
+          </p:cNvSpPr>
+          <p:nvPr>
+            <p:ph type="sldNum" sz="quarter" idx="5"/>
+          </p:nvPr>
+        </p:nvSpPr>
+        <p:spPr/>
+        <p:txBody>
+          <a:bodyPr/>
+          <a:lstStyle/>
+          <a:p>
+            <a:fld id="{EF334A8D-C5BE-432D-90D0-92D67DD437AB}" type="slidenum">
+              <a:rPr lang="pt-BR" smtClean="0"/>
+              <a:pPr/>
+              <a:t>16</a:t>
+            </a:fld>
+            <a:endParaRPr lang="pt-BR"/>
+          </a:p>
+        </p:txBody>
+      </p:sp>
+    </p:spTree>
+    <p:extLst>
+      <p:ext uri="{BB962C8B-B14F-4D97-AF65-F5344CB8AC3E}">
+        <p14:creationId xmlns:p14="http://schemas.microsoft.com/office/powerpoint/2010/main" val="4033442616"/>
+      </p:ext>
+    </p:extLst>
+  </p:cSld>
+  <p:clrMapOvr>
+    <a:masterClrMapping/>
+  </p:clrMapOvr>
+</p:notes>
+</file>
+
+<file path=ppt/notesSlides/notesSlide11.xml><?xml version="1.0" encoding="utf-8"?>
 <p:notes xmlns:a="http://schemas.openxmlformats.org/drawingml/2006/main" xmlns:r="http://schemas.openxmlformats.org/officeDocument/2006/relationships" xmlns:p="http://schemas.openxmlformats.org/presentationml/2006/main">
   <p:cSld>
     <p:spTree>
@@ -3888,12 +4025,7 @@
             <p:ph type="sldImg"/>
           </p:nvPr>
         </p:nvSpPr>
-        <p:spPr>
-          <a:xfrm>
-            <a:off x="381000" y="685800"/>
-            <a:ext cx="6096000" cy="3429000"/>
-          </a:xfrm>
-        </p:spPr>
+        <p:spPr/>
       </p:sp>
       <p:sp>
         <p:nvSpPr>
@@ -3910,7 +4042,10 @@
           <a:bodyPr/>
           <a:lstStyle/>
           <a:p>
-            <a:endParaRPr lang="pt-BR" dirty="0"/>
+            <a:r>
+              <a:rPr lang="pt-BR" dirty="0"/>
+              <a:t>A resolução da tela é o número de pixels na horizontal e o número de pixels na vertical. Como vimos na aula passada, ela pode ser encontrada pela função GetSystemMetrics.</a:t>
+            </a:r>
           </a:p>
         </p:txBody>
       </p:sp>
@@ -3921,7 +4056,7 @@
             <a:spLocks noGrp="1"/>
           </p:cNvSpPr>
           <p:nvPr>
-            <p:ph type="sldNum" sz="quarter" idx="10"/>
+            <p:ph type="sldNum" sz="quarter" idx="5"/>
           </p:nvPr>
         </p:nvSpPr>
         <p:spPr/>
@@ -3932,7 +4067,7 @@
             <a:fld id="{EF334A8D-C5BE-432D-90D0-92D67DD437AB}" type="slidenum">
               <a:rPr lang="pt-BR" smtClean="0"/>
               <a:pPr/>
-              <a:t>4</a:t>
+              <a:t>2</a:t>
             </a:fld>
             <a:endParaRPr lang="pt-BR"/>
           </a:p>
@@ -3941,7 +4076,7 @@
     </p:spTree>
     <p:extLst>
       <p:ext uri="{BB962C8B-B14F-4D97-AF65-F5344CB8AC3E}">
-        <p14:creationId xmlns:p14="http://schemas.microsoft.com/office/powerpoint/2010/main" val="654656736"/>
+        <p14:creationId xmlns:p14="http://schemas.microsoft.com/office/powerpoint/2010/main" val="90242370"/>
       </p:ext>
     </p:extLst>
   </p:cSld>
@@ -4000,10 +4135,7 @@
           <a:bodyPr/>
           <a:lstStyle/>
           <a:p>
-            <a:r>
-              <a:rPr lang="pt-BR" dirty="0"/>
-              <a:t>Nenhuma outra aplicação pode utilizar a tela enquanto o jogo está em modo de tela cheia.</a:t>
-            </a:r>
+            <a:endParaRPr lang="pt-BR" dirty="0"/>
           </a:p>
         </p:txBody>
       </p:sp>
@@ -4025,7 +4157,7 @@
             <a:fld id="{EF334A8D-C5BE-432D-90D0-92D67DD437AB}" type="slidenum">
               <a:rPr lang="pt-BR" smtClean="0"/>
               <a:pPr/>
-              <a:t>5</a:t>
+              <a:t>4</a:t>
             </a:fld>
             <a:endParaRPr lang="pt-BR"/>
           </a:p>
@@ -4034,7 +4166,7 @@
     </p:spTree>
     <p:extLst>
       <p:ext uri="{BB962C8B-B14F-4D97-AF65-F5344CB8AC3E}">
-        <p14:creationId xmlns:p14="http://schemas.microsoft.com/office/powerpoint/2010/main" val="1508836028"/>
+        <p14:creationId xmlns:p14="http://schemas.microsoft.com/office/powerpoint/2010/main" val="654656736"/>
       </p:ext>
     </p:extLst>
   </p:cSld>
@@ -4094,10 +4226,9 @@
           <a:lstStyle/>
           <a:p>
             <a:r>
-              <a:rPr lang="pt-BR" baseline="0" dirty="0"/>
-              <a:t>* A depender do modo de apresentação usado no Direct3D. Mais informações em: https://www.youtube.com/watch?v=E3wTajGZOsA</a:t>
-            </a:r>
-            <a:endParaRPr lang="pt-BR" dirty="0"/>
+              <a:rPr lang="pt-BR" dirty="0"/>
+              <a:t>Nenhuma outra aplicação pode utilizar a tela enquanto o jogo está em modo de tela cheia.</a:t>
+            </a:r>
           </a:p>
         </p:txBody>
       </p:sp>
@@ -4119,7 +4250,7 @@
             <a:fld id="{EF334A8D-C5BE-432D-90D0-92D67DD437AB}" type="slidenum">
               <a:rPr lang="pt-BR" smtClean="0"/>
               <a:pPr/>
-              <a:t>6</a:t>
+              <a:t>5</a:t>
             </a:fld>
             <a:endParaRPr lang="pt-BR"/>
           </a:p>
@@ -4128,7 +4259,7 @@
     </p:spTree>
     <p:extLst>
       <p:ext uri="{BB962C8B-B14F-4D97-AF65-F5344CB8AC3E}">
-        <p14:creationId xmlns:p14="http://schemas.microsoft.com/office/powerpoint/2010/main" val="3248899357"/>
+        <p14:creationId xmlns:p14="http://schemas.microsoft.com/office/powerpoint/2010/main" val="1508836028"/>
       </p:ext>
     </p:extLst>
   </p:cSld>
@@ -4188,12 +4319,8 @@
           <a:lstStyle/>
           <a:p>
             <a:r>
-              <a:rPr lang="pt-BR" dirty="0"/>
-              <a:t>Pode-se</a:t>
-            </a:r>
-            <a:r>
               <a:rPr lang="pt-BR" baseline="0" dirty="0"/>
-              <a:t> usar também apenas WS_OVERLAPPED, eliminando assim o ícone de menu do sistema.</a:t>
+              <a:t>* A depender do modo de apresentação usado no Direct3D. Mais informações em: https://www.youtube.com/watch?v=E3wTajGZOsA</a:t>
             </a:r>
             <a:endParaRPr lang="pt-BR" dirty="0"/>
           </a:p>
@@ -4217,7 +4344,7 @@
             <a:fld id="{EF334A8D-C5BE-432D-90D0-92D67DD437AB}" type="slidenum">
               <a:rPr lang="pt-BR" smtClean="0"/>
               <a:pPr/>
-              <a:t>9</a:t>
+              <a:t>6</a:t>
             </a:fld>
             <a:endParaRPr lang="pt-BR"/>
           </a:p>
@@ -4226,7 +4353,7 @@
     </p:spTree>
     <p:extLst>
       <p:ext uri="{BB962C8B-B14F-4D97-AF65-F5344CB8AC3E}">
-        <p14:creationId xmlns:p14="http://schemas.microsoft.com/office/powerpoint/2010/main" val="1156806309"/>
+        <p14:creationId xmlns:p14="http://schemas.microsoft.com/office/powerpoint/2010/main" val="3248899357"/>
       </p:ext>
     </p:extLst>
   </p:cSld>
@@ -4263,7 +4390,12 @@
             <p:ph type="sldImg"/>
           </p:nvPr>
         </p:nvSpPr>
-        <p:spPr/>
+        <p:spPr>
+          <a:xfrm>
+            <a:off x="381000" y="685800"/>
+            <a:ext cx="6096000" cy="3429000"/>
+          </a:xfrm>
+        </p:spPr>
       </p:sp>
       <p:sp>
         <p:nvSpPr>
@@ -4282,8 +4414,13 @@
           <a:p>
             <a:r>
               <a:rPr lang="pt-BR" dirty="0"/>
-              <a:t>Mas quando o jogo define um tamanho para a janela, ele espera que tenha aquele espaço integralmente disponível.</a:t>
-            </a:r>
+              <a:t>Pode-se</a:t>
+            </a:r>
+            <a:r>
+              <a:rPr lang="pt-BR" baseline="0" dirty="0"/>
+              <a:t> usar também apenas WS_OVERLAPPED, eliminando assim o ícone de menu do sistema.</a:t>
+            </a:r>
+            <a:endParaRPr lang="pt-BR" dirty="0"/>
           </a:p>
         </p:txBody>
       </p:sp>
@@ -4294,7 +4431,7 @@
             <a:spLocks noGrp="1"/>
           </p:cNvSpPr>
           <p:nvPr>
-            <p:ph type="sldNum" sz="quarter" idx="5"/>
+            <p:ph type="sldNum" sz="quarter" idx="10"/>
           </p:nvPr>
         </p:nvSpPr>
         <p:spPr/>
@@ -4305,7 +4442,7 @@
             <a:fld id="{EF334A8D-C5BE-432D-90D0-92D67DD437AB}" type="slidenum">
               <a:rPr lang="pt-BR" smtClean="0"/>
               <a:pPr/>
-              <a:t>10</a:t>
+              <a:t>9</a:t>
             </a:fld>
             <a:endParaRPr lang="pt-BR"/>
           </a:p>
@@ -4314,7 +4451,7 @@
     </p:spTree>
     <p:extLst>
       <p:ext uri="{BB962C8B-B14F-4D97-AF65-F5344CB8AC3E}">
-        <p14:creationId xmlns:p14="http://schemas.microsoft.com/office/powerpoint/2010/main" val="3336785533"/>
+        <p14:creationId xmlns:p14="http://schemas.microsoft.com/office/powerpoint/2010/main" val="1156806309"/>
       </p:ext>
     </p:extLst>
   </p:cSld>
@@ -4368,32 +4505,10 @@
           <a:bodyPr/>
           <a:lstStyle/>
           <a:p>
-            <a:pPr marL="0" marR="0" lvl="0" indent="0" algn="l" defTabSz="914400" rtl="0" eaLnBrk="1" fontAlgn="auto" latinLnBrk="0" hangingPunct="1">
-              <a:lnSpc>
-                <a:spcPct val="100000"/>
-              </a:lnSpc>
-              <a:spcBef>
-                <a:spcPts val="0"/>
-              </a:spcBef>
-              <a:spcAft>
-                <a:spcPts val="0"/>
-              </a:spcAft>
-              <a:buClrTx/>
-              <a:buSzTx/>
-              <a:buFontTx/>
-              <a:buNone/>
-              <a:tabLst/>
-              <a:defRPr/>
-            </a:pPr>
-            <a:r>
-              <a:rPr lang="pt-BR" sz="1200" dirty="0">
-                <a:solidFill>
-                  <a:schemeClr val="bg1"/>
-                </a:solidFill>
-              </a:rPr>
-              <a:t>Cálculos da posição no próximo slide.</a:t>
-            </a:r>
-            <a:endParaRPr lang="pt-BR" b="1" dirty="0"/>
+            <a:r>
+              <a:rPr lang="pt-BR" dirty="0"/>
+              <a:t>Mas quando o jogo define um tamanho para a janela, ele espera que tenha aquele espaço integralmente disponível.</a:t>
+            </a:r>
           </a:p>
         </p:txBody>
       </p:sp>
@@ -4415,7 +4530,7 @@
             <a:fld id="{EF334A8D-C5BE-432D-90D0-92D67DD437AB}" type="slidenum">
               <a:rPr lang="pt-BR" smtClean="0"/>
               <a:pPr/>
-              <a:t>14</a:t>
+              <a:t>10</a:t>
             </a:fld>
             <a:endParaRPr lang="pt-BR"/>
           </a:p>
@@ -4424,7 +4539,7 @@
     </p:spTree>
     <p:extLst>
       <p:ext uri="{BB962C8B-B14F-4D97-AF65-F5344CB8AC3E}">
-        <p14:creationId xmlns:p14="http://schemas.microsoft.com/office/powerpoint/2010/main" val="4243511424"/>
+        <p14:creationId xmlns:p14="http://schemas.microsoft.com/office/powerpoint/2010/main" val="3336785533"/>
       </p:ext>
     </p:extLst>
   </p:cSld>
@@ -4501,15 +4616,7 @@
                   <a:schemeClr val="bg1"/>
                 </a:solidFill>
               </a:rPr>
-              <a:t>» Lab02: fazer passo a passo as questões 1 a 5 usando o projeto </a:t>
-            </a:r>
-            <a:r>
-              <a:rPr lang="pt-BR" sz="1200" dirty="0" err="1">
-                <a:solidFill>
-                  <a:schemeClr val="bg1"/>
-                </a:solidFill>
-              </a:rPr>
-              <a:t>ProgWindows</a:t>
+              <a:t>Cálculos da posição no próximo slide.</a:t>
             </a:r>
             <a:endParaRPr lang="pt-BR" b="1" dirty="0"/>
           </a:p>
@@ -4533,7 +4640,7 @@
             <a:fld id="{EF334A8D-C5BE-432D-90D0-92D67DD437AB}" type="slidenum">
               <a:rPr lang="pt-BR" smtClean="0"/>
               <a:pPr/>
-              <a:t>15</a:t>
+              <a:t>14</a:t>
             </a:fld>
             <a:endParaRPr lang="pt-BR"/>
           </a:p>
@@ -4542,7 +4649,7 @@
     </p:spTree>
     <p:extLst>
       <p:ext uri="{BB962C8B-B14F-4D97-AF65-F5344CB8AC3E}">
-        <p14:creationId xmlns:p14="http://schemas.microsoft.com/office/powerpoint/2010/main" val="3883633801"/>
+        <p14:creationId xmlns:p14="http://schemas.microsoft.com/office/powerpoint/2010/main" val="4243511424"/>
       </p:ext>
     </p:extLst>
   </p:cSld>
@@ -4596,7 +4703,40 @@
           <a:bodyPr/>
           <a:lstStyle/>
           <a:p>
-            <a:endParaRPr lang="pt-BR" dirty="0"/>
+            <a:pPr marL="0" marR="0" lvl="0" indent="0" algn="l" defTabSz="914400" rtl="0" eaLnBrk="1" fontAlgn="auto" latinLnBrk="0" hangingPunct="1">
+              <a:lnSpc>
+                <a:spcPct val="100000"/>
+              </a:lnSpc>
+              <a:spcBef>
+                <a:spcPts val="0"/>
+              </a:spcBef>
+              <a:spcAft>
+                <a:spcPts val="0"/>
+              </a:spcAft>
+              <a:buClrTx/>
+              <a:buSzTx/>
+              <a:buFontTx/>
+              <a:buNone/>
+              <a:tabLst/>
+              <a:defRPr/>
+            </a:pPr>
+            <a:r>
+              <a:rPr lang="pt-BR" sz="1200" dirty="0">
+                <a:solidFill>
+                  <a:schemeClr val="bg1"/>
+                </a:solidFill>
+              </a:rPr>
+              <a:t>» Lab02: fazer passo a passo as questões 1 a 5 usando o projeto </a:t>
+            </a:r>
+            <a:r>
+              <a:rPr lang="pt-BR" sz="1200" dirty="0" err="1">
+                <a:solidFill>
+                  <a:schemeClr val="bg1"/>
+                </a:solidFill>
+              </a:rPr>
+              <a:t>ProgWindows</a:t>
+            </a:r>
+            <a:endParaRPr lang="pt-BR" b="1" dirty="0"/>
           </a:p>
         </p:txBody>
       </p:sp>
@@ -4618,7 +4758,7 @@
             <a:fld id="{EF334A8D-C5BE-432D-90D0-92D67DD437AB}" type="slidenum">
               <a:rPr lang="pt-BR" smtClean="0"/>
               <a:pPr/>
-              <a:t>16</a:t>
+              <a:t>15</a:t>
             </a:fld>
             <a:endParaRPr lang="pt-BR"/>
           </a:p>
@@ -4627,7 +4767,7 @@
     </p:spTree>
     <p:extLst>
       <p:ext uri="{BB962C8B-B14F-4D97-AF65-F5344CB8AC3E}">
-        <p14:creationId xmlns:p14="http://schemas.microsoft.com/office/powerpoint/2010/main" val="4033442616"/>
+        <p14:creationId xmlns:p14="http://schemas.microsoft.com/office/powerpoint/2010/main" val="3883633801"/>
       </p:ext>
     </p:extLst>
   </p:cSld>
@@ -5574,7 +5714,7 @@
             <a:fld id="{B41ABA4E-CD72-497B-97AA-7213B3980F60}" type="datetimeFigureOut">
               <a:rPr lang="en-US" smtClean="0"/>
               <a:pPr/>
-              <a:t>7/24/2021</a:t>
+              <a:t>7/25/2021</a:t>
             </a:fld>
             <a:endParaRPr lang="en-US" dirty="0"/>
           </a:p>
@@ -5751,7 +5891,7 @@
             <a:fld id="{B41ABA4E-CD72-497B-97AA-7213B3980F60}" type="datetimeFigureOut">
               <a:rPr lang="en-US" smtClean="0"/>
               <a:pPr/>
-              <a:t>7/24/2021</a:t>
+              <a:t>7/25/2021</a:t>
             </a:fld>
             <a:endParaRPr lang="en-US" dirty="0"/>
           </a:p>
@@ -5947,7 +6087,7 @@
             <a:fld id="{B41ABA4E-CD72-497B-97AA-7213B3980F60}" type="datetimeFigureOut">
               <a:rPr lang="en-US" smtClean="0"/>
               <a:pPr/>
-              <a:t>7/24/2021</a:t>
+              <a:t>7/25/2021</a:t>
             </a:fld>
             <a:endParaRPr lang="en-US" dirty="0"/>
           </a:p>
@@ -6208,7 +6348,7 @@
             <a:fld id="{B41ABA4E-CD72-497B-97AA-7213B3980F60}" type="datetimeFigureOut">
               <a:rPr lang="en-US" smtClean="0"/>
               <a:pPr/>
-              <a:t>7/24/2021</a:t>
+              <a:t>7/25/2021</a:t>
             </a:fld>
             <a:endParaRPr lang="en-US" dirty="0"/>
           </a:p>
@@ -6609,7 +6749,7 @@
             <a:fld id="{B41ABA4E-CD72-497B-97AA-7213B3980F60}" type="datetimeFigureOut">
               <a:rPr lang="en-US" smtClean="0"/>
               <a:pPr/>
-              <a:t>7/24/2021</a:t>
+              <a:t>7/25/2021</a:t>
             </a:fld>
             <a:endParaRPr lang="en-US" dirty="0"/>
           </a:p>
@@ -7049,7 +7189,7 @@
             <a:fld id="{B41ABA4E-CD72-497B-97AA-7213B3980F60}" type="datetimeFigureOut">
               <a:rPr lang="en-US" smtClean="0"/>
               <a:pPr/>
-              <a:t>7/24/2021</a:t>
+              <a:t>7/25/2021</a:t>
             </a:fld>
             <a:endParaRPr lang="en-US" dirty="0"/>
           </a:p>
@@ -7146,7 +7286,7 @@
             <a:fld id="{B41ABA4E-CD72-497B-97AA-7213B3980F60}" type="datetimeFigureOut">
               <a:rPr lang="en-US" smtClean="0"/>
               <a:pPr/>
-              <a:t>7/24/2021</a:t>
+              <a:t>7/25/2021</a:t>
             </a:fld>
             <a:endParaRPr lang="en-US" dirty="0"/>
           </a:p>
@@ -7261,7 +7401,7 @@
             <a:fld id="{B41ABA4E-CD72-497B-97AA-7213B3980F60}" type="datetimeFigureOut">
               <a:rPr lang="en-US" smtClean="0"/>
               <a:pPr/>
-              <a:t>7/24/2021</a:t>
+              <a:t>7/25/2021</a:t>
             </a:fld>
             <a:endParaRPr lang="en-US" dirty="0"/>
           </a:p>
@@ -7531,7 +7671,7 @@
             <a:fld id="{B41ABA4E-CD72-497B-97AA-7213B3980F60}" type="datetimeFigureOut">
               <a:rPr lang="en-US" smtClean="0"/>
               <a:pPr/>
-              <a:t>7/24/2021</a:t>
+              <a:t>7/25/2021</a:t>
             </a:fld>
             <a:endParaRPr lang="en-US" dirty="0"/>
           </a:p>
@@ -7734,7 +7874,7 @@
             <a:fld id="{B41ABA4E-CD72-497B-97AA-7213B3980F60}" type="datetimeFigureOut">
               <a:rPr lang="en-US" smtClean="0"/>
               <a:pPr/>
-              <a:t>7/24/2021</a:t>
+              <a:t>7/25/2021</a:t>
             </a:fld>
             <a:endParaRPr lang="en-US" dirty="0"/>
           </a:p>
@@ -8929,7 +9069,7 @@
             <a:fld id="{B41ABA4E-CD72-497B-97AA-7213B3980F60}" type="datetimeFigureOut">
               <a:rPr lang="en-US" smtClean="0"/>
               <a:pPr/>
-              <a:t>7/24/2021</a:t>
+              <a:t>7/25/2021</a:t>
             </a:fld>
             <a:endParaRPr lang="en-US" dirty="0"/>
           </a:p>
@@ -9786,6 +9926,9 @@
   <p:clrMapOvr>
     <a:masterClrMapping/>
   </p:clrMapOvr>
+  <p:transition spd="slow">
+    <p:wipe/>
+  </p:transition>
 </p:sld>
 </file>
 
@@ -10568,7 +10711,7 @@
           </p:nvSpPr>
           <p:spPr>
             <a:xfrm>
-              <a:off x="7007742" y="3346661"/>
+              <a:off x="7007742" y="3338605"/>
               <a:ext cx="2789706" cy="1778485"/>
             </a:xfrm>
             <a:prstGeom prst="rect">
@@ -10976,6 +11119,9 @@
   <p:clrMapOvr>
     <a:masterClrMapping/>
   </p:clrMapOvr>
+  <p:transition spd="slow">
+    <p:wipe/>
+  </p:transition>
 </p:sld>
 </file>
 
@@ -11997,6 +12143,9 @@
   <p:clrMapOvr>
     <a:masterClrMapping/>
   </p:clrMapOvr>
+  <p:transition spd="slow">
+    <p:wipe/>
+  </p:transition>
 </p:sld>
 </file>
 
@@ -12546,673 +12695,694 @@
           </a:p>
         </p:txBody>
       </p:sp>
-      <p:pic>
-        <p:nvPicPr>
-          <p:cNvPr id="6" name="Imagem 5">
+      <p:grpSp>
+        <p:nvGrpSpPr>
+          <p:cNvPr id="5" name="Agrupar 4">
             <a:extLst>
               <a:ext uri="{FF2B5EF4-FFF2-40B4-BE49-F238E27FC236}">
-                <a16:creationId xmlns:a16="http://schemas.microsoft.com/office/drawing/2014/main" id="{B3AC9F7E-07EB-4C53-8CA9-2F4C52F00E62}"/>
+                <a16:creationId xmlns:a16="http://schemas.microsoft.com/office/drawing/2014/main" id="{CDBDEC5F-C4BE-4878-9F42-E9F3F1B66568}"/>
               </a:ext>
             </a:extLst>
           </p:cNvPr>
-          <p:cNvPicPr>
-            <a:picLocks noChangeAspect="1"/>
-          </p:cNvPicPr>
+          <p:cNvGrpSpPr/>
           <p:nvPr/>
-        </p:nvPicPr>
-        <p:blipFill>
-          <a:blip r:embed="rId2"/>
-          <a:stretch>
-            <a:fillRect/>
-          </a:stretch>
-        </p:blipFill>
-        <p:spPr>
+        </p:nvGrpSpPr>
+        <p:grpSpPr>
           <a:xfrm>
-            <a:off x="7048126" y="3656353"/>
-            <a:ext cx="3672750" cy="2217776"/>
+            <a:off x="5765010" y="3019782"/>
+            <a:ext cx="5387571" cy="3169714"/>
+            <a:chOff x="5765010" y="3019782"/>
+            <a:chExt cx="5387571" cy="3169714"/>
           </a:xfrm>
-          <a:prstGeom prst="rect">
-            <a:avLst/>
-          </a:prstGeom>
-        </p:spPr>
-      </p:pic>
-      <p:cxnSp>
-        <p:nvCxnSpPr>
-          <p:cNvPr id="7" name="Conector de seta reta 8">
-            <a:extLst>
-              <a:ext uri="{FF2B5EF4-FFF2-40B4-BE49-F238E27FC236}">
-                <a16:creationId xmlns:a16="http://schemas.microsoft.com/office/drawing/2014/main" id="{0032CE6E-FD64-4DE1-8135-D297E4BAC87B}"/>
-              </a:ext>
-            </a:extLst>
-          </p:cNvPr>
-          <p:cNvCxnSpPr>
-            <a:cxnSpLocks/>
-          </p:cNvCxnSpPr>
-          <p:nvPr/>
-        </p:nvCxnSpPr>
-        <p:spPr>
-          <a:xfrm>
-            <a:off x="10998694" y="3811621"/>
-            <a:ext cx="0" cy="1887866"/>
-          </a:xfrm>
-          <a:prstGeom prst="straightConnector1">
-            <a:avLst/>
-          </a:prstGeom>
-          <a:ln w="19050">
-            <a:solidFill>
-              <a:schemeClr val="accent1"/>
-            </a:solidFill>
-            <a:headEnd type="triangle"/>
-            <a:tailEnd type="triangle"/>
-          </a:ln>
-        </p:spPr>
-        <p:style>
-          <a:lnRef idx="1">
-            <a:schemeClr val="accent1"/>
-          </a:lnRef>
-          <a:fillRef idx="0">
-            <a:schemeClr val="accent1"/>
-          </a:fillRef>
-          <a:effectRef idx="0">
-            <a:schemeClr val="accent1"/>
-          </a:effectRef>
-          <a:fontRef idx="minor">
-            <a:schemeClr val="tx1"/>
-          </a:fontRef>
-        </p:style>
-      </p:cxnSp>
-      <p:cxnSp>
-        <p:nvCxnSpPr>
-          <p:cNvPr id="8" name="Conector de seta reta 11">
-            <a:extLst>
-              <a:ext uri="{FF2B5EF4-FFF2-40B4-BE49-F238E27FC236}">
-                <a16:creationId xmlns:a16="http://schemas.microsoft.com/office/drawing/2014/main" id="{DB6DCBE7-D1D8-4A9B-BDB7-F2B89B226925}"/>
-              </a:ext>
-            </a:extLst>
-          </p:cNvPr>
-          <p:cNvCxnSpPr>
-            <a:cxnSpLocks/>
-          </p:cNvCxnSpPr>
-          <p:nvPr/>
-        </p:nvCxnSpPr>
-        <p:spPr>
-          <a:xfrm>
-            <a:off x="7176120" y="3457366"/>
-            <a:ext cx="3312368" cy="18084"/>
-          </a:xfrm>
-          <a:prstGeom prst="straightConnector1">
-            <a:avLst/>
-          </a:prstGeom>
-          <a:ln w="19050">
-            <a:solidFill>
-              <a:schemeClr val="accent1"/>
-            </a:solidFill>
-            <a:headEnd type="triangle"/>
-            <a:tailEnd type="triangle"/>
-          </a:ln>
-        </p:spPr>
-        <p:style>
-          <a:lnRef idx="1">
-            <a:schemeClr val="accent1"/>
-          </a:lnRef>
-          <a:fillRef idx="0">
-            <a:schemeClr val="accent1"/>
-          </a:fillRef>
-          <a:effectRef idx="0">
-            <a:schemeClr val="accent1"/>
-          </a:effectRef>
-          <a:fontRef idx="minor">
-            <a:schemeClr val="tx1"/>
-          </a:fontRef>
-        </p:style>
-      </p:cxnSp>
-      <p:sp>
-        <p:nvSpPr>
-          <p:cNvPr id="9" name="Retângulo de cantos arredondados 24">
-            <a:extLst>
-              <a:ext uri="{FF2B5EF4-FFF2-40B4-BE49-F238E27FC236}">
-                <a16:creationId xmlns:a16="http://schemas.microsoft.com/office/drawing/2014/main" id="{8E19ED30-ED6B-46DB-A1AB-F90F6E96AD8F}"/>
-              </a:ext>
-            </a:extLst>
-          </p:cNvPr>
-          <p:cNvSpPr/>
-          <p:nvPr/>
-        </p:nvSpPr>
-        <p:spPr>
-          <a:xfrm>
-            <a:off x="7048126" y="3879909"/>
-            <a:ext cx="3663741" cy="1994217"/>
-          </a:xfrm>
-          <a:prstGeom prst="roundRect">
-            <a:avLst>
-              <a:gd name="adj" fmla="val 0"/>
-            </a:avLst>
-          </a:prstGeom>
-          <a:solidFill>
-            <a:schemeClr val="accent1">
-              <a:lumMod val="75000"/>
-            </a:schemeClr>
-          </a:solidFill>
-          <a:ln>
-            <a:solidFill>
-              <a:schemeClr val="bg1"/>
-            </a:solidFill>
-          </a:ln>
-        </p:spPr>
-        <p:style>
-          <a:lnRef idx="1">
-            <a:schemeClr val="accent1"/>
-          </a:lnRef>
-          <a:fillRef idx="2">
-            <a:schemeClr val="accent1"/>
-          </a:fillRef>
-          <a:effectRef idx="1">
-            <a:schemeClr val="accent1"/>
-          </a:effectRef>
-          <a:fontRef idx="minor">
-            <a:schemeClr val="dk1"/>
-          </a:fontRef>
-        </p:style>
-        <p:txBody>
-          <a:bodyPr rtlCol="0" anchor="ctr"/>
-          <a:lstStyle/>
-          <a:p>
-            <a:pPr algn="ctr"/>
-            <a:r>
-              <a:rPr lang="pt-BR" dirty="0"/>
-              <a:t>Área Cliente</a:t>
-            </a:r>
-            <a:br>
-              <a:rPr lang="pt-BR" dirty="0"/>
-            </a:br>
-            <a:br>
-              <a:rPr lang="pt-BR" dirty="0"/>
-            </a:br>
-            <a:r>
-              <a:rPr lang="pt-BR" dirty="0"/>
-              <a:t>(960x540)</a:t>
-            </a:r>
-          </a:p>
-        </p:txBody>
-      </p:sp>
-      <p:sp>
-        <p:nvSpPr>
-          <p:cNvPr id="10" name="CaixaDeTexto 9">
-            <a:extLst>
-              <a:ext uri="{FF2B5EF4-FFF2-40B4-BE49-F238E27FC236}">
-                <a16:creationId xmlns:a16="http://schemas.microsoft.com/office/drawing/2014/main" id="{926513D1-8B87-4286-AFC8-F5BF86E4D4A0}"/>
-              </a:ext>
-            </a:extLst>
-          </p:cNvPr>
-          <p:cNvSpPr txBox="1"/>
-          <p:nvPr/>
-        </p:nvSpPr>
-        <p:spPr>
-          <a:xfrm>
-            <a:off x="8689658" y="3303478"/>
-            <a:ext cx="482824" cy="307777"/>
-          </a:xfrm>
-          <a:prstGeom prst="rect">
-            <a:avLst/>
-          </a:prstGeom>
-          <a:solidFill>
-            <a:schemeClr val="tx1"/>
-          </a:solidFill>
-          <a:ln>
-            <a:noFill/>
-          </a:ln>
-        </p:spPr>
-        <p:txBody>
-          <a:bodyPr wrap="none" rtlCol="0">
-            <a:spAutoFit/>
-          </a:bodyPr>
-          <a:lstStyle/>
-          <a:p>
-            <a:r>
-              <a:rPr lang="pt-BR" sz="1400" dirty="0">
-                <a:solidFill>
-                  <a:schemeClr val="accent1"/>
-                </a:solidFill>
-                <a:latin typeface="Consolas" pitchFamily="49" charset="0"/>
-                <a:cs typeface="Consolas" pitchFamily="49" charset="0"/>
-              </a:rPr>
-              <a:t>976</a:t>
-            </a:r>
-            <a:endParaRPr lang="pt-BR" sz="1600" dirty="0">
+        </p:grpSpPr>
+        <p:cxnSp>
+          <p:nvCxnSpPr>
+            <p:cNvPr id="7" name="Conector de seta reta 8">
+              <a:extLst>
+                <a:ext uri="{FF2B5EF4-FFF2-40B4-BE49-F238E27FC236}">
+                  <a16:creationId xmlns:a16="http://schemas.microsoft.com/office/drawing/2014/main" id="{0032CE6E-FD64-4DE1-8135-D297E4BAC87B}"/>
+                </a:ext>
+              </a:extLst>
+            </p:cNvPr>
+            <p:cNvCxnSpPr>
+              <a:cxnSpLocks/>
+            </p:cNvCxnSpPr>
+            <p:nvPr/>
+          </p:nvCxnSpPr>
+          <p:spPr>
+            <a:xfrm>
+              <a:off x="10998694" y="3811621"/>
+              <a:ext cx="0" cy="1887866"/>
+            </a:xfrm>
+            <a:prstGeom prst="straightConnector1">
+              <a:avLst/>
+            </a:prstGeom>
+            <a:ln w="19050">
               <a:solidFill>
                 <a:schemeClr val="accent1"/>
               </a:solidFill>
-              <a:latin typeface="Consolas" pitchFamily="49" charset="0"/>
-              <a:cs typeface="Consolas" pitchFamily="49" charset="0"/>
-            </a:endParaRPr>
-          </a:p>
-        </p:txBody>
-      </p:sp>
-      <p:sp>
-        <p:nvSpPr>
-          <p:cNvPr id="11" name="CaixaDeTexto 10">
-            <a:extLst>
-              <a:ext uri="{FF2B5EF4-FFF2-40B4-BE49-F238E27FC236}">
-                <a16:creationId xmlns:a16="http://schemas.microsoft.com/office/drawing/2014/main" id="{7381D16C-41C8-4535-A0E6-35E62328189B}"/>
-              </a:ext>
-            </a:extLst>
-          </p:cNvPr>
-          <p:cNvSpPr txBox="1"/>
-          <p:nvPr/>
-        </p:nvSpPr>
-        <p:spPr>
-          <a:xfrm rot="5400000">
-            <a:off x="10757281" y="4611351"/>
-            <a:ext cx="482824" cy="307777"/>
-          </a:xfrm>
-          <a:prstGeom prst="rect">
-            <a:avLst/>
-          </a:prstGeom>
-          <a:solidFill>
-            <a:schemeClr val="tx1"/>
-          </a:solidFill>
-          <a:ln>
-            <a:noFill/>
-          </a:ln>
-        </p:spPr>
-        <p:txBody>
-          <a:bodyPr wrap="none" rtlCol="0">
-            <a:spAutoFit/>
-          </a:bodyPr>
-          <a:lstStyle/>
-          <a:p>
-            <a:r>
-              <a:rPr lang="pt-BR" sz="1400" dirty="0">
-                <a:solidFill>
-                  <a:schemeClr val="accent1"/>
-                </a:solidFill>
-                <a:latin typeface="Consolas" pitchFamily="49" charset="0"/>
-                <a:cs typeface="Consolas" pitchFamily="49" charset="0"/>
-              </a:rPr>
-              <a:t>579</a:t>
-            </a:r>
-            <a:endParaRPr lang="pt-BR" dirty="0">
+              <a:headEnd type="triangle"/>
+              <a:tailEnd type="triangle"/>
+            </a:ln>
+          </p:spPr>
+          <p:style>
+            <a:lnRef idx="1">
+              <a:schemeClr val="accent1"/>
+            </a:lnRef>
+            <a:fillRef idx="0">
+              <a:schemeClr val="accent1"/>
+            </a:fillRef>
+            <a:effectRef idx="0">
+              <a:schemeClr val="accent1"/>
+            </a:effectRef>
+            <a:fontRef idx="minor">
+              <a:schemeClr val="tx1"/>
+            </a:fontRef>
+          </p:style>
+        </p:cxnSp>
+        <p:cxnSp>
+          <p:nvCxnSpPr>
+            <p:cNvPr id="8" name="Conector de seta reta 11">
+              <a:extLst>
+                <a:ext uri="{FF2B5EF4-FFF2-40B4-BE49-F238E27FC236}">
+                  <a16:creationId xmlns:a16="http://schemas.microsoft.com/office/drawing/2014/main" id="{DB6DCBE7-D1D8-4A9B-BDB7-F2B89B226925}"/>
+                </a:ext>
+              </a:extLst>
+            </p:cNvPr>
+            <p:cNvCxnSpPr>
+              <a:cxnSpLocks/>
+            </p:cNvCxnSpPr>
+            <p:nvPr/>
+          </p:nvCxnSpPr>
+          <p:spPr>
+            <a:xfrm>
+              <a:off x="7176120" y="3457366"/>
+              <a:ext cx="3312368" cy="18084"/>
+            </a:xfrm>
+            <a:prstGeom prst="straightConnector1">
+              <a:avLst/>
+            </a:prstGeom>
+            <a:ln w="19050">
               <a:solidFill>
                 <a:schemeClr val="accent1"/>
               </a:solidFill>
-              <a:latin typeface="Consolas" pitchFamily="49" charset="0"/>
-              <a:cs typeface="Consolas" pitchFamily="49" charset="0"/>
-            </a:endParaRPr>
-          </a:p>
-        </p:txBody>
-      </p:sp>
-      <p:cxnSp>
-        <p:nvCxnSpPr>
-          <p:cNvPr id="12" name="Conector reto 11">
-            <a:extLst>
-              <a:ext uri="{FF2B5EF4-FFF2-40B4-BE49-F238E27FC236}">
-                <a16:creationId xmlns:a16="http://schemas.microsoft.com/office/drawing/2014/main" id="{A37025FC-4812-42A8-8EA4-998384DC8F9F}"/>
-              </a:ext>
-            </a:extLst>
-          </p:cNvPr>
-          <p:cNvCxnSpPr>
-            <a:cxnSpLocks/>
-          </p:cNvCxnSpPr>
-          <p:nvPr/>
-        </p:nvCxnSpPr>
-        <p:spPr>
-          <a:xfrm>
-            <a:off x="6800973" y="5874126"/>
-            <a:ext cx="4197721" cy="0"/>
-          </a:xfrm>
-          <a:prstGeom prst="line">
-            <a:avLst/>
-          </a:prstGeom>
-          <a:ln w="19050">
+              <a:headEnd type="triangle"/>
+              <a:tailEnd type="triangle"/>
+            </a:ln>
+          </p:spPr>
+          <p:style>
+            <a:lnRef idx="1">
+              <a:schemeClr val="accent1"/>
+            </a:lnRef>
+            <a:fillRef idx="0">
+              <a:schemeClr val="accent1"/>
+            </a:fillRef>
+            <a:effectRef idx="0">
+              <a:schemeClr val="accent1"/>
+            </a:effectRef>
+            <a:fontRef idx="minor">
+              <a:schemeClr val="tx1"/>
+            </a:fontRef>
+          </p:style>
+        </p:cxnSp>
+        <p:sp>
+          <p:nvSpPr>
+            <p:cNvPr id="10" name="CaixaDeTexto 9">
+              <a:extLst>
+                <a:ext uri="{FF2B5EF4-FFF2-40B4-BE49-F238E27FC236}">
+                  <a16:creationId xmlns:a16="http://schemas.microsoft.com/office/drawing/2014/main" id="{926513D1-8B87-4286-AFC8-F5BF86E4D4A0}"/>
+                </a:ext>
+              </a:extLst>
+            </p:cNvPr>
+            <p:cNvSpPr txBox="1"/>
+            <p:nvPr/>
+          </p:nvSpPr>
+          <p:spPr>
+            <a:xfrm>
+              <a:off x="8689658" y="3303478"/>
+              <a:ext cx="482824" cy="307777"/>
+            </a:xfrm>
+            <a:prstGeom prst="rect">
+              <a:avLst/>
+            </a:prstGeom>
             <a:solidFill>
-              <a:schemeClr val="tx2">
-                <a:lumMod val="60000"/>
-                <a:lumOff val="40000"/>
+              <a:schemeClr val="tx1"/>
+            </a:solidFill>
+            <a:ln>
+              <a:noFill/>
+            </a:ln>
+          </p:spPr>
+          <p:txBody>
+            <a:bodyPr wrap="none" rtlCol="0">
+              <a:spAutoFit/>
+            </a:bodyPr>
+            <a:lstStyle/>
+            <a:p>
+              <a:r>
+                <a:rPr lang="pt-BR" sz="1400" dirty="0">
+                  <a:solidFill>
+                    <a:schemeClr val="accent1"/>
+                  </a:solidFill>
+                  <a:latin typeface="Consolas" pitchFamily="49" charset="0"/>
+                  <a:cs typeface="Consolas" pitchFamily="49" charset="0"/>
+                </a:rPr>
+                <a:t>976</a:t>
+              </a:r>
+              <a:endParaRPr lang="pt-BR" sz="1600" dirty="0">
+                <a:solidFill>
+                  <a:schemeClr val="accent1"/>
+                </a:solidFill>
+                <a:latin typeface="Consolas" pitchFamily="49" charset="0"/>
+                <a:cs typeface="Consolas" pitchFamily="49" charset="0"/>
+              </a:endParaRPr>
+            </a:p>
+          </p:txBody>
+        </p:sp>
+        <p:sp>
+          <p:nvSpPr>
+            <p:cNvPr id="11" name="CaixaDeTexto 10">
+              <a:extLst>
+                <a:ext uri="{FF2B5EF4-FFF2-40B4-BE49-F238E27FC236}">
+                  <a16:creationId xmlns:a16="http://schemas.microsoft.com/office/drawing/2014/main" id="{7381D16C-41C8-4535-A0E6-35E62328189B}"/>
+                </a:ext>
+              </a:extLst>
+            </p:cNvPr>
+            <p:cNvSpPr txBox="1"/>
+            <p:nvPr/>
+          </p:nvSpPr>
+          <p:spPr>
+            <a:xfrm rot="5400000">
+              <a:off x="10757281" y="4611351"/>
+              <a:ext cx="482824" cy="307777"/>
+            </a:xfrm>
+            <a:prstGeom prst="rect">
+              <a:avLst/>
+            </a:prstGeom>
+            <a:solidFill>
+              <a:schemeClr val="tx1"/>
+            </a:solidFill>
+            <a:ln>
+              <a:noFill/>
+            </a:ln>
+          </p:spPr>
+          <p:txBody>
+            <a:bodyPr wrap="none" rtlCol="0">
+              <a:spAutoFit/>
+            </a:bodyPr>
+            <a:lstStyle/>
+            <a:p>
+              <a:r>
+                <a:rPr lang="pt-BR" sz="1400" dirty="0">
+                  <a:solidFill>
+                    <a:schemeClr val="accent1"/>
+                  </a:solidFill>
+                  <a:latin typeface="Consolas" pitchFamily="49" charset="0"/>
+                  <a:cs typeface="Consolas" pitchFamily="49" charset="0"/>
+                </a:rPr>
+                <a:t>579</a:t>
+              </a:r>
+              <a:endParaRPr lang="pt-BR" dirty="0">
+                <a:solidFill>
+                  <a:schemeClr val="accent1"/>
+                </a:solidFill>
+                <a:latin typeface="Consolas" pitchFamily="49" charset="0"/>
+                <a:cs typeface="Consolas" pitchFamily="49" charset="0"/>
+              </a:endParaRPr>
+            </a:p>
+          </p:txBody>
+        </p:sp>
+        <p:cxnSp>
+          <p:nvCxnSpPr>
+            <p:cNvPr id="12" name="Conector reto 11">
+              <a:extLst>
+                <a:ext uri="{FF2B5EF4-FFF2-40B4-BE49-F238E27FC236}">
+                  <a16:creationId xmlns:a16="http://schemas.microsoft.com/office/drawing/2014/main" id="{A37025FC-4812-42A8-8EA4-998384DC8F9F}"/>
+                </a:ext>
+              </a:extLst>
+            </p:cNvPr>
+            <p:cNvCxnSpPr>
+              <a:cxnSpLocks/>
+            </p:cNvCxnSpPr>
+            <p:nvPr/>
+          </p:nvCxnSpPr>
+          <p:spPr>
+            <a:xfrm>
+              <a:off x="6800973" y="5869893"/>
+              <a:ext cx="4197721" cy="0"/>
+            </a:xfrm>
+            <a:prstGeom prst="line">
+              <a:avLst/>
+            </a:prstGeom>
+            <a:ln w="19050">
+              <a:solidFill>
+                <a:schemeClr val="tx2">
+                  <a:lumMod val="60000"/>
+                  <a:lumOff val="40000"/>
+                </a:schemeClr>
+              </a:solidFill>
+              <a:prstDash val="dash"/>
+            </a:ln>
+          </p:spPr>
+          <p:style>
+            <a:lnRef idx="1">
+              <a:schemeClr val="accent1"/>
+            </a:lnRef>
+            <a:fillRef idx="0">
+              <a:schemeClr val="accent1"/>
+            </a:fillRef>
+            <a:effectRef idx="0">
+              <a:schemeClr val="accent1"/>
+            </a:effectRef>
+            <a:fontRef idx="minor">
+              <a:schemeClr val="tx1"/>
+            </a:fontRef>
+          </p:style>
+        </p:cxnSp>
+        <p:cxnSp>
+          <p:nvCxnSpPr>
+            <p:cNvPr id="13" name="Conector reto 12">
+              <a:extLst>
+                <a:ext uri="{FF2B5EF4-FFF2-40B4-BE49-F238E27FC236}">
+                  <a16:creationId xmlns:a16="http://schemas.microsoft.com/office/drawing/2014/main" id="{5D04D359-A6E2-4FBA-BED6-7C43B059ED5D}"/>
+                </a:ext>
+              </a:extLst>
+            </p:cNvPr>
+            <p:cNvCxnSpPr>
+              <a:cxnSpLocks/>
+            </p:cNvCxnSpPr>
+            <p:nvPr/>
+          </p:nvCxnSpPr>
+          <p:spPr>
+            <a:xfrm>
+              <a:off x="10707634" y="3429000"/>
+              <a:ext cx="0" cy="2760496"/>
+            </a:xfrm>
+            <a:prstGeom prst="line">
+              <a:avLst/>
+            </a:prstGeom>
+            <a:ln w="19050">
+              <a:solidFill>
+                <a:schemeClr val="tx2">
+                  <a:lumMod val="60000"/>
+                  <a:lumOff val="40000"/>
+                </a:schemeClr>
+              </a:solidFill>
+              <a:prstDash val="dash"/>
+            </a:ln>
+          </p:spPr>
+          <p:style>
+            <a:lnRef idx="1">
+              <a:schemeClr val="accent1"/>
+            </a:lnRef>
+            <a:fillRef idx="0">
+              <a:schemeClr val="accent1"/>
+            </a:fillRef>
+            <a:effectRef idx="0">
+              <a:schemeClr val="accent1"/>
+            </a:effectRef>
+            <a:fontRef idx="minor">
+              <a:schemeClr val="tx1"/>
+            </a:fontRef>
+          </p:style>
+        </p:cxnSp>
+        <p:cxnSp>
+          <p:nvCxnSpPr>
+            <p:cNvPr id="14" name="Conector de Seta Reta 13">
+              <a:extLst>
+                <a:ext uri="{FF2B5EF4-FFF2-40B4-BE49-F238E27FC236}">
+                  <a16:creationId xmlns:a16="http://schemas.microsoft.com/office/drawing/2014/main" id="{CC57EC64-276D-40E7-98D7-25C6B259CA3C}"/>
+                </a:ext>
+              </a:extLst>
+            </p:cNvPr>
+            <p:cNvCxnSpPr>
+              <a:cxnSpLocks/>
+            </p:cNvCxnSpPr>
+            <p:nvPr/>
+          </p:nvCxnSpPr>
+          <p:spPr>
+            <a:xfrm>
+              <a:off x="6800973" y="3669052"/>
+              <a:ext cx="4197721" cy="0"/>
+            </a:xfrm>
+            <a:prstGeom prst="straightConnector1">
+              <a:avLst/>
+            </a:prstGeom>
+            <a:ln w="19050">
+              <a:solidFill>
+                <a:schemeClr val="tx2">
+                  <a:lumMod val="60000"/>
+                  <a:lumOff val="40000"/>
+                </a:schemeClr>
+              </a:solidFill>
+              <a:prstDash val="dash"/>
+              <a:headEnd type="none" w="med" len="med"/>
+              <a:tailEnd type="none" w="med" len="med"/>
+            </a:ln>
+          </p:spPr>
+          <p:style>
+            <a:lnRef idx="1">
+              <a:schemeClr val="accent1"/>
+            </a:lnRef>
+            <a:fillRef idx="0">
+              <a:schemeClr val="accent1"/>
+            </a:fillRef>
+            <a:effectRef idx="0">
+              <a:schemeClr val="accent1"/>
+            </a:effectRef>
+            <a:fontRef idx="minor">
+              <a:schemeClr val="tx1"/>
+            </a:fontRef>
+          </p:style>
+        </p:cxnSp>
+        <p:cxnSp>
+          <p:nvCxnSpPr>
+            <p:cNvPr id="15" name="Conector de Seta Reta 14">
+              <a:extLst>
+                <a:ext uri="{FF2B5EF4-FFF2-40B4-BE49-F238E27FC236}">
+                  <a16:creationId xmlns:a16="http://schemas.microsoft.com/office/drawing/2014/main" id="{56FEE455-B033-4279-9027-0597773400E9}"/>
+                </a:ext>
+              </a:extLst>
+            </p:cNvPr>
+            <p:cNvCxnSpPr>
+              <a:cxnSpLocks/>
+            </p:cNvCxnSpPr>
+            <p:nvPr/>
+          </p:nvCxnSpPr>
+          <p:spPr>
+            <a:xfrm flipH="1">
+              <a:off x="7060027" y="3429000"/>
+              <a:ext cx="1" cy="2760495"/>
+            </a:xfrm>
+            <a:prstGeom prst="straightConnector1">
+              <a:avLst/>
+            </a:prstGeom>
+            <a:ln w="19050">
+              <a:solidFill>
+                <a:schemeClr val="tx2">
+                  <a:lumMod val="60000"/>
+                  <a:lumOff val="40000"/>
+                </a:schemeClr>
+              </a:solidFill>
+              <a:prstDash val="dash"/>
+              <a:headEnd type="none" w="med" len="med"/>
+              <a:tailEnd type="none" w="med" len="med"/>
+            </a:ln>
+          </p:spPr>
+          <p:style>
+            <a:lnRef idx="1">
+              <a:schemeClr val="accent1"/>
+            </a:lnRef>
+            <a:fillRef idx="0">
+              <a:schemeClr val="accent1"/>
+            </a:fillRef>
+            <a:effectRef idx="0">
+              <a:schemeClr val="accent1"/>
+            </a:effectRef>
+            <a:fontRef idx="minor">
+              <a:schemeClr val="tx1"/>
+            </a:fontRef>
+          </p:style>
+        </p:cxnSp>
+        <p:sp>
+          <p:nvSpPr>
+            <p:cNvPr id="16" name="CaixaDeTexto 15">
+              <a:extLst>
+                <a:ext uri="{FF2B5EF4-FFF2-40B4-BE49-F238E27FC236}">
+                  <a16:creationId xmlns:a16="http://schemas.microsoft.com/office/drawing/2014/main" id="{572598B4-24B0-4DB3-91DA-204714456FD6}"/>
+                </a:ext>
+              </a:extLst>
+            </p:cNvPr>
+            <p:cNvSpPr txBox="1"/>
+            <p:nvPr/>
+          </p:nvSpPr>
+          <p:spPr>
+            <a:xfrm>
+              <a:off x="6740427" y="3024427"/>
+              <a:ext cx="597378" cy="307777"/>
+            </a:xfrm>
+            <a:prstGeom prst="rect">
+              <a:avLst/>
+            </a:prstGeom>
+            <a:noFill/>
+          </p:spPr>
+          <p:txBody>
+            <a:bodyPr wrap="square">
+              <a:spAutoFit/>
+            </a:bodyPr>
+            <a:lstStyle/>
+            <a:p>
+              <a:pPr algn="ctr"/>
+              <a:r>
+                <a:rPr lang="en-US" sz="1400" dirty="0">
+                  <a:solidFill>
+                    <a:schemeClr val="bg1">
+                      <a:lumMod val="85000"/>
+                    </a:schemeClr>
+                  </a:solidFill>
+                  <a:latin typeface="Consolas" panose="020B0609020204030204" pitchFamily="49" charset="0"/>
+                  <a:cs typeface="Consolas" pitchFamily="49" charset="0"/>
+                </a:rPr>
+                <a:t>left</a:t>
+              </a:r>
+              <a:endParaRPr lang="pt-BR" sz="1400" dirty="0"/>
+            </a:p>
+          </p:txBody>
+        </p:sp>
+        <p:sp>
+          <p:nvSpPr>
+            <p:cNvPr id="17" name="CaixaDeTexto 16">
+              <a:extLst>
+                <a:ext uri="{FF2B5EF4-FFF2-40B4-BE49-F238E27FC236}">
+                  <a16:creationId xmlns:a16="http://schemas.microsoft.com/office/drawing/2014/main" id="{503FFF52-DAAF-4B51-A457-6FA49305DD56}"/>
+                </a:ext>
+              </a:extLst>
+            </p:cNvPr>
+            <p:cNvSpPr txBox="1"/>
+            <p:nvPr/>
+          </p:nvSpPr>
+          <p:spPr>
+            <a:xfrm>
+              <a:off x="10329951" y="3019782"/>
+              <a:ext cx="763832" cy="307777"/>
+            </a:xfrm>
+            <a:prstGeom prst="rect">
+              <a:avLst/>
+            </a:prstGeom>
+            <a:noFill/>
+          </p:spPr>
+          <p:txBody>
+            <a:bodyPr wrap="square">
+              <a:spAutoFit/>
+            </a:bodyPr>
+            <a:lstStyle/>
+            <a:p>
+              <a:pPr algn="ctr"/>
+              <a:r>
+                <a:rPr lang="en-US" sz="1400" dirty="0">
+                  <a:solidFill>
+                    <a:schemeClr val="bg1">
+                      <a:lumMod val="85000"/>
+                    </a:schemeClr>
+                  </a:solidFill>
+                  <a:latin typeface="Consolas" panose="020B0609020204030204" pitchFamily="49" charset="0"/>
+                  <a:cs typeface="Consolas" pitchFamily="49" charset="0"/>
+                </a:rPr>
+                <a:t>right</a:t>
+              </a:r>
+              <a:endParaRPr lang="pt-BR" sz="1400" dirty="0"/>
+            </a:p>
+          </p:txBody>
+        </p:sp>
+        <p:sp>
+          <p:nvSpPr>
+            <p:cNvPr id="18" name="CaixaDeTexto 17">
+              <a:extLst>
+                <a:ext uri="{FF2B5EF4-FFF2-40B4-BE49-F238E27FC236}">
+                  <a16:creationId xmlns:a16="http://schemas.microsoft.com/office/drawing/2014/main" id="{27A06AF8-1A63-47CA-ADDD-167E7FD58828}"/>
+                </a:ext>
+              </a:extLst>
+            </p:cNvPr>
+            <p:cNvSpPr txBox="1"/>
+            <p:nvPr/>
+          </p:nvSpPr>
+          <p:spPr>
+            <a:xfrm>
+              <a:off x="6090108" y="3503844"/>
+              <a:ext cx="597378" cy="307777"/>
+            </a:xfrm>
+            <a:prstGeom prst="rect">
+              <a:avLst/>
+            </a:prstGeom>
+            <a:noFill/>
+          </p:spPr>
+          <p:txBody>
+            <a:bodyPr wrap="square">
+              <a:spAutoFit/>
+            </a:bodyPr>
+            <a:lstStyle/>
+            <a:p>
+              <a:pPr algn="ctr"/>
+              <a:r>
+                <a:rPr lang="en-US" sz="1400" dirty="0">
+                  <a:solidFill>
+                    <a:schemeClr val="bg1">
+                      <a:lumMod val="85000"/>
+                    </a:schemeClr>
+                  </a:solidFill>
+                  <a:latin typeface="Consolas" panose="020B0609020204030204" pitchFamily="49" charset="0"/>
+                  <a:cs typeface="Consolas" pitchFamily="49" charset="0"/>
+                </a:rPr>
+                <a:t>top</a:t>
+              </a:r>
+              <a:endParaRPr lang="pt-BR" sz="1400" dirty="0"/>
+            </a:p>
+          </p:txBody>
+        </p:sp>
+        <p:sp>
+          <p:nvSpPr>
+            <p:cNvPr id="19" name="CaixaDeTexto 18">
+              <a:extLst>
+                <a:ext uri="{FF2B5EF4-FFF2-40B4-BE49-F238E27FC236}">
+                  <a16:creationId xmlns:a16="http://schemas.microsoft.com/office/drawing/2014/main" id="{772BF176-2015-4174-885A-66E9ADC3431C}"/>
+                </a:ext>
+              </a:extLst>
+            </p:cNvPr>
+            <p:cNvSpPr txBox="1"/>
+            <p:nvPr/>
+          </p:nvSpPr>
+          <p:spPr>
+            <a:xfrm>
+              <a:off x="5765010" y="5699487"/>
+              <a:ext cx="922476" cy="307777"/>
+            </a:xfrm>
+            <a:prstGeom prst="rect">
+              <a:avLst/>
+            </a:prstGeom>
+            <a:noFill/>
+          </p:spPr>
+          <p:txBody>
+            <a:bodyPr wrap="square">
+              <a:spAutoFit/>
+            </a:bodyPr>
+            <a:lstStyle/>
+            <a:p>
+              <a:pPr algn="ctr"/>
+              <a:r>
+                <a:rPr lang="en-US" sz="1400" dirty="0">
+                  <a:solidFill>
+                    <a:schemeClr val="bg1">
+                      <a:lumMod val="85000"/>
+                    </a:schemeClr>
+                  </a:solidFill>
+                  <a:latin typeface="Consolas" panose="020B0609020204030204" pitchFamily="49" charset="0"/>
+                  <a:cs typeface="Consolas" pitchFamily="49" charset="0"/>
+                </a:rPr>
+                <a:t>bottom</a:t>
+              </a:r>
+              <a:endParaRPr lang="pt-BR" sz="1400" dirty="0"/>
+            </a:p>
+          </p:txBody>
+        </p:sp>
+        <p:pic>
+          <p:nvPicPr>
+            <p:cNvPr id="6" name="Imagem 5">
+              <a:extLst>
+                <a:ext uri="{FF2B5EF4-FFF2-40B4-BE49-F238E27FC236}">
+                  <a16:creationId xmlns:a16="http://schemas.microsoft.com/office/drawing/2014/main" id="{B3AC9F7E-07EB-4C53-8CA9-2F4C52F00E62}"/>
+                </a:ext>
+              </a:extLst>
+            </p:cNvPr>
+            <p:cNvPicPr>
+              <a:picLocks noChangeAspect="1"/>
+            </p:cNvPicPr>
+            <p:nvPr/>
+          </p:nvPicPr>
+          <p:blipFill>
+            <a:blip r:embed="rId2"/>
+            <a:stretch>
+              <a:fillRect/>
+            </a:stretch>
+          </p:blipFill>
+          <p:spPr>
+            <a:xfrm>
+              <a:off x="7048126" y="3656353"/>
+              <a:ext cx="3672750" cy="2217776"/>
+            </a:xfrm>
+            <a:prstGeom prst="rect">
+              <a:avLst/>
+            </a:prstGeom>
+          </p:spPr>
+        </p:pic>
+        <p:sp>
+          <p:nvSpPr>
+            <p:cNvPr id="9" name="Retângulo de cantos arredondados 24">
+              <a:extLst>
+                <a:ext uri="{FF2B5EF4-FFF2-40B4-BE49-F238E27FC236}">
+                  <a16:creationId xmlns:a16="http://schemas.microsoft.com/office/drawing/2014/main" id="{8E19ED30-ED6B-46DB-A1AB-F90F6E96AD8F}"/>
+                </a:ext>
+              </a:extLst>
+            </p:cNvPr>
+            <p:cNvSpPr/>
+            <p:nvPr/>
+          </p:nvSpPr>
+          <p:spPr>
+            <a:xfrm>
+              <a:off x="7060027" y="3879909"/>
+              <a:ext cx="3651840" cy="1994217"/>
+            </a:xfrm>
+            <a:prstGeom prst="roundRect">
+              <a:avLst>
+                <a:gd name="adj" fmla="val 0"/>
+              </a:avLst>
+            </a:prstGeom>
+            <a:solidFill>
+              <a:schemeClr val="accent1">
+                <a:lumMod val="75000"/>
               </a:schemeClr>
             </a:solidFill>
-            <a:prstDash val="dash"/>
-          </a:ln>
-        </p:spPr>
-        <p:style>
-          <a:lnRef idx="1">
-            <a:schemeClr val="accent1"/>
-          </a:lnRef>
-          <a:fillRef idx="0">
-            <a:schemeClr val="accent1"/>
-          </a:fillRef>
-          <a:effectRef idx="0">
-            <a:schemeClr val="accent1"/>
-          </a:effectRef>
-          <a:fontRef idx="minor">
-            <a:schemeClr val="tx1"/>
-          </a:fontRef>
-        </p:style>
-      </p:cxnSp>
-      <p:cxnSp>
-        <p:nvCxnSpPr>
-          <p:cNvPr id="13" name="Conector reto 12">
-            <a:extLst>
-              <a:ext uri="{FF2B5EF4-FFF2-40B4-BE49-F238E27FC236}">
-                <a16:creationId xmlns:a16="http://schemas.microsoft.com/office/drawing/2014/main" id="{5D04D359-A6E2-4FBA-BED6-7C43B059ED5D}"/>
-              </a:ext>
-            </a:extLst>
-          </p:cNvPr>
-          <p:cNvCxnSpPr>
-            <a:cxnSpLocks/>
-          </p:cNvCxnSpPr>
-          <p:nvPr/>
-        </p:nvCxnSpPr>
-        <p:spPr>
-          <a:xfrm>
-            <a:off x="10711867" y="3429000"/>
-            <a:ext cx="0" cy="2760496"/>
-          </a:xfrm>
-          <a:prstGeom prst="line">
-            <a:avLst/>
-          </a:prstGeom>
-          <a:ln w="19050">
-            <a:solidFill>
-              <a:schemeClr val="tx2">
-                <a:lumMod val="60000"/>
-                <a:lumOff val="40000"/>
-              </a:schemeClr>
-            </a:solidFill>
-            <a:prstDash val="dash"/>
-          </a:ln>
-        </p:spPr>
-        <p:style>
-          <a:lnRef idx="1">
-            <a:schemeClr val="accent1"/>
-          </a:lnRef>
-          <a:fillRef idx="0">
-            <a:schemeClr val="accent1"/>
-          </a:fillRef>
-          <a:effectRef idx="0">
-            <a:schemeClr val="accent1"/>
-          </a:effectRef>
-          <a:fontRef idx="minor">
-            <a:schemeClr val="tx1"/>
-          </a:fontRef>
-        </p:style>
-      </p:cxnSp>
-      <p:cxnSp>
-        <p:nvCxnSpPr>
-          <p:cNvPr id="14" name="Conector de Seta Reta 13">
-            <a:extLst>
-              <a:ext uri="{FF2B5EF4-FFF2-40B4-BE49-F238E27FC236}">
-                <a16:creationId xmlns:a16="http://schemas.microsoft.com/office/drawing/2014/main" id="{CC57EC64-276D-40E7-98D7-25C6B259CA3C}"/>
-              </a:ext>
-            </a:extLst>
-          </p:cNvPr>
-          <p:cNvCxnSpPr>
-            <a:cxnSpLocks/>
-          </p:cNvCxnSpPr>
-          <p:nvPr/>
-        </p:nvCxnSpPr>
-        <p:spPr>
-          <a:xfrm>
-            <a:off x="6800973" y="3656353"/>
-            <a:ext cx="4197721" cy="0"/>
-          </a:xfrm>
-          <a:prstGeom prst="straightConnector1">
-            <a:avLst/>
-          </a:prstGeom>
-          <a:ln w="19050">
-            <a:solidFill>
-              <a:schemeClr val="tx2">
-                <a:lumMod val="60000"/>
-                <a:lumOff val="40000"/>
-              </a:schemeClr>
-            </a:solidFill>
-            <a:prstDash val="dash"/>
-            <a:headEnd type="none" w="med" len="med"/>
-            <a:tailEnd type="none" w="med" len="med"/>
-          </a:ln>
-        </p:spPr>
-        <p:style>
-          <a:lnRef idx="1">
-            <a:schemeClr val="accent1"/>
-          </a:lnRef>
-          <a:fillRef idx="0">
-            <a:schemeClr val="accent1"/>
-          </a:fillRef>
-          <a:effectRef idx="0">
-            <a:schemeClr val="accent1"/>
-          </a:effectRef>
-          <a:fontRef idx="minor">
-            <a:schemeClr val="tx1"/>
-          </a:fontRef>
-        </p:style>
-      </p:cxnSp>
-      <p:cxnSp>
-        <p:nvCxnSpPr>
-          <p:cNvPr id="15" name="Conector de Seta Reta 14">
-            <a:extLst>
-              <a:ext uri="{FF2B5EF4-FFF2-40B4-BE49-F238E27FC236}">
-                <a16:creationId xmlns:a16="http://schemas.microsoft.com/office/drawing/2014/main" id="{56FEE455-B033-4279-9027-0597773400E9}"/>
-              </a:ext>
-            </a:extLst>
-          </p:cNvPr>
-          <p:cNvCxnSpPr>
-            <a:cxnSpLocks/>
-          </p:cNvCxnSpPr>
-          <p:nvPr/>
-        </p:nvCxnSpPr>
-        <p:spPr>
-          <a:xfrm flipH="1">
-            <a:off x="7032025" y="3429000"/>
-            <a:ext cx="15303" cy="2760496"/>
-          </a:xfrm>
-          <a:prstGeom prst="straightConnector1">
-            <a:avLst/>
-          </a:prstGeom>
-          <a:ln w="19050">
-            <a:solidFill>
-              <a:schemeClr val="tx2">
-                <a:lumMod val="60000"/>
-                <a:lumOff val="40000"/>
-              </a:schemeClr>
-            </a:solidFill>
-            <a:prstDash val="dash"/>
-            <a:headEnd type="none" w="med" len="med"/>
-            <a:tailEnd type="none" w="med" len="med"/>
-          </a:ln>
-        </p:spPr>
-        <p:style>
-          <a:lnRef idx="1">
-            <a:schemeClr val="accent1"/>
-          </a:lnRef>
-          <a:fillRef idx="0">
-            <a:schemeClr val="accent1"/>
-          </a:fillRef>
-          <a:effectRef idx="0">
-            <a:schemeClr val="accent1"/>
-          </a:effectRef>
-          <a:fontRef idx="minor">
-            <a:schemeClr val="tx1"/>
-          </a:fontRef>
-        </p:style>
-      </p:cxnSp>
-      <p:sp>
-        <p:nvSpPr>
-          <p:cNvPr id="16" name="CaixaDeTexto 15">
-            <a:extLst>
-              <a:ext uri="{FF2B5EF4-FFF2-40B4-BE49-F238E27FC236}">
-                <a16:creationId xmlns:a16="http://schemas.microsoft.com/office/drawing/2014/main" id="{572598B4-24B0-4DB3-91DA-204714456FD6}"/>
-              </a:ext>
-            </a:extLst>
-          </p:cNvPr>
-          <p:cNvSpPr txBox="1"/>
-          <p:nvPr/>
-        </p:nvSpPr>
-        <p:spPr>
-          <a:xfrm>
-            <a:off x="6740427" y="3024427"/>
-            <a:ext cx="597378" cy="307777"/>
-          </a:xfrm>
-          <a:prstGeom prst="rect">
-            <a:avLst/>
-          </a:prstGeom>
-          <a:noFill/>
-        </p:spPr>
-        <p:txBody>
-          <a:bodyPr wrap="square">
-            <a:spAutoFit/>
-          </a:bodyPr>
-          <a:lstStyle/>
-          <a:p>
-            <a:pPr algn="ctr"/>
-            <a:r>
-              <a:rPr lang="en-US" sz="1400" dirty="0">
-                <a:solidFill>
-                  <a:schemeClr val="bg1">
-                    <a:lumMod val="85000"/>
-                  </a:schemeClr>
-                </a:solidFill>
-                <a:latin typeface="Consolas" panose="020B0609020204030204" pitchFamily="49" charset="0"/>
-                <a:cs typeface="Consolas" pitchFamily="49" charset="0"/>
-              </a:rPr>
-              <a:t>left</a:t>
-            </a:r>
-            <a:endParaRPr lang="pt-BR" sz="1400" dirty="0"/>
-          </a:p>
-        </p:txBody>
-      </p:sp>
-      <p:sp>
-        <p:nvSpPr>
-          <p:cNvPr id="17" name="CaixaDeTexto 16">
-            <a:extLst>
-              <a:ext uri="{FF2B5EF4-FFF2-40B4-BE49-F238E27FC236}">
-                <a16:creationId xmlns:a16="http://schemas.microsoft.com/office/drawing/2014/main" id="{503FFF52-DAAF-4B51-A457-6FA49305DD56}"/>
-              </a:ext>
-            </a:extLst>
-          </p:cNvPr>
-          <p:cNvSpPr txBox="1"/>
-          <p:nvPr/>
-        </p:nvSpPr>
-        <p:spPr>
-          <a:xfrm>
-            <a:off x="10329951" y="3019782"/>
-            <a:ext cx="763832" cy="307777"/>
-          </a:xfrm>
-          <a:prstGeom prst="rect">
-            <a:avLst/>
-          </a:prstGeom>
-          <a:noFill/>
-        </p:spPr>
-        <p:txBody>
-          <a:bodyPr wrap="square">
-            <a:spAutoFit/>
-          </a:bodyPr>
-          <a:lstStyle/>
-          <a:p>
-            <a:pPr algn="ctr"/>
-            <a:r>
-              <a:rPr lang="en-US" sz="1400" dirty="0">
-                <a:solidFill>
-                  <a:schemeClr val="bg1">
-                    <a:lumMod val="85000"/>
-                  </a:schemeClr>
-                </a:solidFill>
-                <a:latin typeface="Consolas" panose="020B0609020204030204" pitchFamily="49" charset="0"/>
-                <a:cs typeface="Consolas" pitchFamily="49" charset="0"/>
-              </a:rPr>
-              <a:t>right</a:t>
-            </a:r>
-            <a:endParaRPr lang="pt-BR" sz="1400" dirty="0"/>
-          </a:p>
-        </p:txBody>
-      </p:sp>
-      <p:sp>
-        <p:nvSpPr>
-          <p:cNvPr id="18" name="CaixaDeTexto 17">
-            <a:extLst>
-              <a:ext uri="{FF2B5EF4-FFF2-40B4-BE49-F238E27FC236}">
-                <a16:creationId xmlns:a16="http://schemas.microsoft.com/office/drawing/2014/main" id="{27A06AF8-1A63-47CA-ADDD-167E7FD58828}"/>
-              </a:ext>
-            </a:extLst>
-          </p:cNvPr>
-          <p:cNvSpPr txBox="1"/>
-          <p:nvPr/>
-        </p:nvSpPr>
-        <p:spPr>
-          <a:xfrm>
-            <a:off x="6090108" y="3503844"/>
-            <a:ext cx="597378" cy="307777"/>
-          </a:xfrm>
-          <a:prstGeom prst="rect">
-            <a:avLst/>
-          </a:prstGeom>
-          <a:noFill/>
-        </p:spPr>
-        <p:txBody>
-          <a:bodyPr wrap="square">
-            <a:spAutoFit/>
-          </a:bodyPr>
-          <a:lstStyle/>
-          <a:p>
-            <a:pPr algn="ctr"/>
-            <a:r>
-              <a:rPr lang="en-US" sz="1400" dirty="0">
-                <a:solidFill>
-                  <a:schemeClr val="bg1">
-                    <a:lumMod val="85000"/>
-                  </a:schemeClr>
-                </a:solidFill>
-                <a:latin typeface="Consolas" panose="020B0609020204030204" pitchFamily="49" charset="0"/>
-                <a:cs typeface="Consolas" pitchFamily="49" charset="0"/>
-              </a:rPr>
-              <a:t>top</a:t>
-            </a:r>
-            <a:endParaRPr lang="pt-BR" sz="1400" dirty="0"/>
-          </a:p>
-        </p:txBody>
-      </p:sp>
-      <p:sp>
-        <p:nvSpPr>
-          <p:cNvPr id="19" name="CaixaDeTexto 18">
-            <a:extLst>
-              <a:ext uri="{FF2B5EF4-FFF2-40B4-BE49-F238E27FC236}">
-                <a16:creationId xmlns:a16="http://schemas.microsoft.com/office/drawing/2014/main" id="{772BF176-2015-4174-885A-66E9ADC3431C}"/>
-              </a:ext>
-            </a:extLst>
-          </p:cNvPr>
-          <p:cNvSpPr txBox="1"/>
-          <p:nvPr/>
-        </p:nvSpPr>
-        <p:spPr>
-          <a:xfrm>
-            <a:off x="5765010" y="5699487"/>
-            <a:ext cx="922476" cy="307777"/>
-          </a:xfrm>
-          <a:prstGeom prst="rect">
-            <a:avLst/>
-          </a:prstGeom>
-          <a:noFill/>
-        </p:spPr>
-        <p:txBody>
-          <a:bodyPr wrap="square">
-            <a:spAutoFit/>
-          </a:bodyPr>
-          <a:lstStyle/>
-          <a:p>
-            <a:pPr algn="ctr"/>
-            <a:r>
-              <a:rPr lang="en-US" sz="1400" dirty="0">
-                <a:solidFill>
-                  <a:schemeClr val="bg1">
-                    <a:lumMod val="85000"/>
-                  </a:schemeClr>
-                </a:solidFill>
-                <a:latin typeface="Consolas" panose="020B0609020204030204" pitchFamily="49" charset="0"/>
-                <a:cs typeface="Consolas" pitchFamily="49" charset="0"/>
-              </a:rPr>
-              <a:t>bottom</a:t>
-            </a:r>
-            <a:endParaRPr lang="pt-BR" sz="1400" dirty="0"/>
-          </a:p>
-        </p:txBody>
-      </p:sp>
+            <a:ln>
+              <a:solidFill>
+                <a:schemeClr val="bg1"/>
+              </a:solidFill>
+            </a:ln>
+          </p:spPr>
+          <p:style>
+            <a:lnRef idx="1">
+              <a:schemeClr val="accent1"/>
+            </a:lnRef>
+            <a:fillRef idx="2">
+              <a:schemeClr val="accent1"/>
+            </a:fillRef>
+            <a:effectRef idx="1">
+              <a:schemeClr val="accent1"/>
+            </a:effectRef>
+            <a:fontRef idx="minor">
+              <a:schemeClr val="dk1"/>
+            </a:fontRef>
+          </p:style>
+          <p:txBody>
+            <a:bodyPr rtlCol="0" anchor="ctr"/>
+            <a:lstStyle/>
+            <a:p>
+              <a:pPr algn="ctr"/>
+              <a:r>
+                <a:rPr lang="pt-BR" dirty="0"/>
+                <a:t>Área Cliente</a:t>
+              </a:r>
+              <a:br>
+                <a:rPr lang="pt-BR" dirty="0"/>
+              </a:br>
+              <a:br>
+                <a:rPr lang="pt-BR" dirty="0"/>
+              </a:br>
+              <a:r>
+                <a:rPr lang="pt-BR" dirty="0"/>
+                <a:t>(960x540)</a:t>
+              </a:r>
+            </a:p>
+          </p:txBody>
+        </p:sp>
+      </p:grpSp>
     </p:spTree>
     <p:extLst>
       <p:ext uri="{BB962C8B-B14F-4D97-AF65-F5344CB8AC3E}">
@@ -13223,6 +13393,9 @@
   <p:clrMapOvr>
     <a:masterClrMapping/>
   </p:clrMapOvr>
+  <p:transition spd="slow">
+    <p:wipe/>
+  </p:transition>
 </p:sld>
 </file>
 
@@ -14357,6 +14530,9 @@
   <p:clrMapOvr>
     <a:masterClrMapping/>
   </p:clrMapOvr>
+  <p:transition spd="slow">
+    <p:wipe/>
+  </p:transition>
 </p:sld>
 </file>
 
@@ -15518,6 +15694,9 @@
   <p:clrMapOvr>
     <a:masterClrMapping/>
   </p:clrMapOvr>
+  <p:transition spd="slow">
+    <p:wipe/>
+  </p:transition>
 </p:sld>
 </file>
 
@@ -16068,6 +16247,9 @@
   <p:clrMapOvr>
     <a:masterClrMapping/>
   </p:clrMapOvr>
+  <p:transition spd="slow">
+    <p:wipe/>
+  </p:transition>
 </p:sld>
 </file>
 
@@ -17214,6 +17396,9 @@
   <p:clrMapOvr>
     <a:masterClrMapping/>
   </p:clrMapOvr>
+  <p:transition spd="slow">
+    <p:wipe/>
+  </p:transition>
 </p:sld>
 </file>
 
@@ -17440,6 +17625,9 @@
   <p:clrMapOvr>
     <a:masterClrMapping/>
   </p:clrMapOvr>
+  <p:transition spd="slow">
+    <p:wipe/>
+  </p:transition>
 </p:sld>
 </file>
 
@@ -18246,6 +18434,9 @@
   <p:clrMapOvr>
     <a:masterClrMapping/>
   </p:clrMapOvr>
+  <p:transition spd="slow">
+    <p:wipe/>
+  </p:transition>
 </p:sld>
 </file>
 
@@ -18792,6 +18983,9 @@
   <p:clrMapOvr>
     <a:masterClrMapping/>
   </p:clrMapOvr>
+  <p:transition spd="slow">
+    <p:wipe/>
+  </p:transition>
 </p:sld>
 </file>
 
@@ -18994,6 +19188,9 @@
   <p:clrMapOvr>
     <a:masterClrMapping/>
   </p:clrMapOvr>
+  <p:transition spd="slow">
+    <p:wipe/>
+  </p:transition>
 </p:sld>
 </file>
 
@@ -19238,6 +19435,9 @@
   <p:clrMapOvr>
     <a:masterClrMapping/>
   </p:clrMapOvr>
+  <p:transition spd="slow">
+    <p:wipe/>
+  </p:transition>
 </p:sld>
 </file>
 
@@ -19484,6 +19684,9 @@
   <p:clrMapOvr>
     <a:masterClrMapping/>
   </p:clrMapOvr>
+  <p:transition spd="slow">
+    <p:wipe/>
+  </p:transition>
 </p:sld>
 </file>
 
@@ -20882,6 +21085,9 @@
   <p:clrMapOvr>
     <a:masterClrMapping/>
   </p:clrMapOvr>
+  <p:transition spd="slow">
+    <p:wipe/>
+  </p:transition>
 </p:sld>
 </file>
 
@@ -21973,6 +22179,9 @@
   <p:clrMapOvr>
     <a:masterClrMapping/>
   </p:clrMapOvr>
+  <p:transition spd="slow">
+    <p:wipe/>
+  </p:transition>
 </p:sld>
 </file>
 
@@ -23345,6 +23554,9 @@
   <p:clrMapOvr>
     <a:masterClrMapping/>
   </p:clrMapOvr>
+  <p:transition spd="slow">
+    <p:wipe/>
+  </p:transition>
 </p:sld>
 </file>
 

--- a/Slides/02. Configuração da Janela.pptx
+++ b/Slides/02. Configuração da Janela.pptx
@@ -153,7 +153,6 @@
 <p1510:revInfo xmlns:a="http://schemas.openxmlformats.org/drawingml/2006/main" xmlns:r="http://schemas.openxmlformats.org/officeDocument/2006/relationships" xmlns:p1510="http://schemas.microsoft.com/office/powerpoint/2015/10/main">
   <p1510:revLst>
     <p1510:client id="{386B1694-FB9B-4F19-9CD5-A4F9637AA3B8}" v="95" dt="2021-07-25T17:36:21.947"/>
-    <p1510:client id="{A5E76BCC-EF79-A146-8EF2-6F11F540A14D}" v="36" dt="2021-07-25T03:41:36.290"/>
   </p1510:revLst>
 </p1510:revInfo>
 </file>
@@ -1747,7 +1746,7 @@
   <pc:docChgLst>
     <pc:chgData name="Judson Santiago" userId="ebb108da2f256286" providerId="LiveId" clId="{386B1694-FB9B-4F19-9CD5-A4F9637AA3B8}"/>
     <pc:docChg chg="undo redo custSel addSld delSld modSld modMainMaster">
-      <pc:chgData name="Judson Santiago" userId="ebb108da2f256286" providerId="LiveId" clId="{386B1694-FB9B-4F19-9CD5-A4F9637AA3B8}" dt="2021-07-25T17:37:45.722" v="2827" actId="14100"/>
+      <pc:chgData name="Judson Santiago" userId="ebb108da2f256286" providerId="LiveId" clId="{386B1694-FB9B-4F19-9CD5-A4F9637AA3B8}" dt="2021-07-27T18:29:36.763" v="2846" actId="20577"/>
       <pc:docMkLst>
         <pc:docMk/>
       </pc:docMkLst>
@@ -2114,7 +2113,7 @@
         </pc:spChg>
       </pc:sldChg>
       <pc:sldChg chg="addSp delSp modSp mod modTransition">
-        <pc:chgData name="Judson Santiago" userId="ebb108da2f256286" providerId="LiveId" clId="{386B1694-FB9B-4F19-9CD5-A4F9637AA3B8}" dt="2021-07-25T17:37:09.047" v="2825" actId="1035"/>
+        <pc:chgData name="Judson Santiago" userId="ebb108da2f256286" providerId="LiveId" clId="{386B1694-FB9B-4F19-9CD5-A4F9637AA3B8}" dt="2021-07-27T18:17:12.943" v="2831" actId="14100"/>
         <pc:sldMkLst>
           <pc:docMk/>
           <pc:sldMk cId="2653339053" sldId="331"/>
@@ -2256,7 +2255,7 @@
           </ac:cxnSpMkLst>
         </pc:cxnChg>
         <pc:cxnChg chg="add mod topLvl">
-          <ac:chgData name="Judson Santiago" userId="ebb108da2f256286" providerId="LiveId" clId="{386B1694-FB9B-4F19-9CD5-A4F9637AA3B8}" dt="2021-07-24T01:53:04.307" v="1929" actId="164"/>
+          <ac:chgData name="Judson Santiago" userId="ebb108da2f256286" providerId="LiveId" clId="{386B1694-FB9B-4F19-9CD5-A4F9637AA3B8}" dt="2021-07-27T18:16:39.869" v="2829" actId="14100"/>
           <ac:cxnSpMkLst>
             <pc:docMk/>
             <pc:sldMk cId="2653339053" sldId="331"/>
@@ -2280,7 +2279,7 @@
           </ac:cxnSpMkLst>
         </pc:cxnChg>
         <pc:cxnChg chg="add mod ord topLvl">
-          <ac:chgData name="Judson Santiago" userId="ebb108da2f256286" providerId="LiveId" clId="{386B1694-FB9B-4F19-9CD5-A4F9637AA3B8}" dt="2021-07-24T01:53:04.307" v="1929" actId="164"/>
+          <ac:chgData name="Judson Santiago" userId="ebb108da2f256286" providerId="LiveId" clId="{386B1694-FB9B-4F19-9CD5-A4F9637AA3B8}" dt="2021-07-27T18:17:12.943" v="2831" actId="14100"/>
           <ac:cxnSpMkLst>
             <pc:docMk/>
             <pc:sldMk cId="2653339053" sldId="331"/>
@@ -2289,7 +2288,7 @@
         </pc:cxnChg>
       </pc:sldChg>
       <pc:sldChg chg="addSp delSp modSp mod modTransition modNotesTx">
-        <pc:chgData name="Judson Santiago" userId="ebb108da2f256286" providerId="LiveId" clId="{386B1694-FB9B-4F19-9CD5-A4F9637AA3B8}" dt="2021-07-25T17:36:21.947" v="2823"/>
+        <pc:chgData name="Judson Santiago" userId="ebb108da2f256286" providerId="LiveId" clId="{386B1694-FB9B-4F19-9CD5-A4F9637AA3B8}" dt="2021-07-27T18:22:27.333" v="2843" actId="6549"/>
         <pc:sldMkLst>
           <pc:docMk/>
           <pc:sldMk cId="1744335074" sldId="332"/>
@@ -2303,7 +2302,7 @@
           </ac:spMkLst>
         </pc:spChg>
         <pc:spChg chg="mod">
-          <ac:chgData name="Judson Santiago" userId="ebb108da2f256286" providerId="LiveId" clId="{386B1694-FB9B-4F19-9CD5-A4F9637AA3B8}" dt="2021-07-24T02:42:12.521" v="2809" actId="20577"/>
+          <ac:chgData name="Judson Santiago" userId="ebb108da2f256286" providerId="LiveId" clId="{386B1694-FB9B-4F19-9CD5-A4F9637AA3B8}" dt="2021-07-27T18:22:27.333" v="2843" actId="6549"/>
           <ac:spMkLst>
             <pc:docMk/>
             <pc:sldMk cId="1744335074" sldId="332"/>
@@ -2486,12 +2485,20 @@
           <pc:sldMk cId="3322776748" sldId="333"/>
         </pc:sldMkLst>
       </pc:sldChg>
-      <pc:sldChg chg="modTransition">
-        <pc:chgData name="Judson Santiago" userId="ebb108da2f256286" providerId="LiveId" clId="{386B1694-FB9B-4F19-9CD5-A4F9637AA3B8}" dt="2021-07-25T17:36:21.947" v="2823"/>
+      <pc:sldChg chg="modSp mod modTransition">
+        <pc:chgData name="Judson Santiago" userId="ebb108da2f256286" providerId="LiveId" clId="{386B1694-FB9B-4F19-9CD5-A4F9637AA3B8}" dt="2021-07-27T18:29:36.763" v="2846" actId="20577"/>
         <pc:sldMkLst>
           <pc:docMk/>
           <pc:sldMk cId="1544407006" sldId="334"/>
         </pc:sldMkLst>
+        <pc:spChg chg="mod">
+          <ac:chgData name="Judson Santiago" userId="ebb108da2f256286" providerId="LiveId" clId="{386B1694-FB9B-4F19-9CD5-A4F9637AA3B8}" dt="2021-07-27T18:29:36.763" v="2846" actId="20577"/>
+          <ac:spMkLst>
+            <pc:docMk/>
+            <pc:sldMk cId="1544407006" sldId="334"/>
+            <ac:spMk id="10" creationId="{00000000-0000-0000-0000-000000000000}"/>
+          </ac:spMkLst>
+        </pc:spChg>
       </pc:sldChg>
       <pc:sldChg chg="del">
         <pc:chgData name="Judson Santiago" userId="ebb108da2f256286" providerId="LiveId" clId="{386B1694-FB9B-4F19-9CD5-A4F9637AA3B8}" dt="2021-07-23T17:54:29.137" v="127" actId="47"/>
@@ -2623,13 +2630,13 @@
         </pc:spChg>
       </pc:sldChg>
       <pc:sldChg chg="addSp delSp modSp add mod modTransition">
-        <pc:chgData name="Judson Santiago" userId="ebb108da2f256286" providerId="LiveId" clId="{386B1694-FB9B-4F19-9CD5-A4F9637AA3B8}" dt="2021-07-25T17:37:45.722" v="2827" actId="14100"/>
+        <pc:chgData name="Judson Santiago" userId="ebb108da2f256286" providerId="LiveId" clId="{386B1694-FB9B-4F19-9CD5-A4F9637AA3B8}" dt="2021-07-27T18:21:11.112" v="2835" actId="207"/>
         <pc:sldMkLst>
           <pc:docMk/>
           <pc:sldMk cId="3135992663" sldId="343"/>
         </pc:sldMkLst>
         <pc:spChg chg="mod">
-          <ac:chgData name="Judson Santiago" userId="ebb108da2f256286" providerId="LiveId" clId="{386B1694-FB9B-4F19-9CD5-A4F9637AA3B8}" dt="2021-07-24T00:23:27.858" v="1253" actId="6549"/>
+          <ac:chgData name="Judson Santiago" userId="ebb108da2f256286" providerId="LiveId" clId="{386B1694-FB9B-4F19-9CD5-A4F9637AA3B8}" dt="2021-07-27T18:21:11.112" v="2835" actId="207"/>
           <ac:spMkLst>
             <pc:docMk/>
             <pc:sldMk cId="3135992663" sldId="343"/>
@@ -2917,13 +2924,13 @@
         </pc:cxnChg>
       </pc:sldChg>
       <pc:sldChg chg="addSp delSp modSp add mod modTransition modNotesTx">
-        <pc:chgData name="Judson Santiago" userId="ebb108da2f256286" providerId="LiveId" clId="{386B1694-FB9B-4F19-9CD5-A4F9637AA3B8}" dt="2021-07-25T17:36:21.947" v="2823"/>
+        <pc:chgData name="Judson Santiago" userId="ebb108da2f256286" providerId="LiveId" clId="{386B1694-FB9B-4F19-9CD5-A4F9637AA3B8}" dt="2021-07-27T18:23:21.225" v="2844" actId="20577"/>
         <pc:sldMkLst>
           <pc:docMk/>
           <pc:sldMk cId="2392311280" sldId="345"/>
         </pc:sldMkLst>
         <pc:spChg chg="mod">
-          <ac:chgData name="Judson Santiago" userId="ebb108da2f256286" providerId="LiveId" clId="{386B1694-FB9B-4F19-9CD5-A4F9637AA3B8}" dt="2021-07-24T02:20:09.123" v="2230" actId="20577"/>
+          <ac:chgData name="Judson Santiago" userId="ebb108da2f256286" providerId="LiveId" clId="{386B1694-FB9B-4F19-9CD5-A4F9637AA3B8}" dt="2021-07-27T18:23:21.225" v="2844" actId="20577"/>
           <ac:spMkLst>
             <pc:docMk/>
             <pc:sldMk cId="2392311280" sldId="345"/>
@@ -3257,7 +3264,7 @@
           <a:p>
             <a:fld id="{D87CF86A-545B-41B8-A3E2-B1C42763E569}" type="datetimeFigureOut">
               <a:rPr lang="pt-BR" smtClean="0"/>
-              <a:t>25/07/2021</a:t>
+              <a:t>27/07/2021</a:t>
             </a:fld>
             <a:endParaRPr lang="pt-BR"/>
           </a:p>
@@ -3423,7 +3430,7 @@
             <a:fld id="{4C457FC9-8E1D-4A40-BFF1-0E630693B1AB}" type="datetimeFigureOut">
               <a:rPr lang="pt-BR" smtClean="0"/>
               <a:pPr/>
-              <a:t>25/07/2021</a:t>
+              <a:t>27/07/2021</a:t>
             </a:fld>
             <a:endParaRPr lang="pt-BR"/>
           </a:p>
@@ -5714,7 +5721,7 @@
             <a:fld id="{B41ABA4E-CD72-497B-97AA-7213B3980F60}" type="datetimeFigureOut">
               <a:rPr lang="en-US" smtClean="0"/>
               <a:pPr/>
-              <a:t>7/25/2021</a:t>
+              <a:t>7/27/2021</a:t>
             </a:fld>
             <a:endParaRPr lang="en-US" dirty="0"/>
           </a:p>
@@ -5891,7 +5898,7 @@
             <a:fld id="{B41ABA4E-CD72-497B-97AA-7213B3980F60}" type="datetimeFigureOut">
               <a:rPr lang="en-US" smtClean="0"/>
               <a:pPr/>
-              <a:t>7/25/2021</a:t>
+              <a:t>7/27/2021</a:t>
             </a:fld>
             <a:endParaRPr lang="en-US" dirty="0"/>
           </a:p>
@@ -6087,7 +6094,7 @@
             <a:fld id="{B41ABA4E-CD72-497B-97AA-7213B3980F60}" type="datetimeFigureOut">
               <a:rPr lang="en-US" smtClean="0"/>
               <a:pPr/>
-              <a:t>7/25/2021</a:t>
+              <a:t>7/27/2021</a:t>
             </a:fld>
             <a:endParaRPr lang="en-US" dirty="0"/>
           </a:p>
@@ -6348,7 +6355,7 @@
             <a:fld id="{B41ABA4E-CD72-497B-97AA-7213B3980F60}" type="datetimeFigureOut">
               <a:rPr lang="en-US" smtClean="0"/>
               <a:pPr/>
-              <a:t>7/25/2021</a:t>
+              <a:t>7/27/2021</a:t>
             </a:fld>
             <a:endParaRPr lang="en-US" dirty="0"/>
           </a:p>
@@ -6749,7 +6756,7 @@
             <a:fld id="{B41ABA4E-CD72-497B-97AA-7213B3980F60}" type="datetimeFigureOut">
               <a:rPr lang="en-US" smtClean="0"/>
               <a:pPr/>
-              <a:t>7/25/2021</a:t>
+              <a:t>7/27/2021</a:t>
             </a:fld>
             <a:endParaRPr lang="en-US" dirty="0"/>
           </a:p>
@@ -7189,7 +7196,7 @@
             <a:fld id="{B41ABA4E-CD72-497B-97AA-7213B3980F60}" type="datetimeFigureOut">
               <a:rPr lang="en-US" smtClean="0"/>
               <a:pPr/>
-              <a:t>7/25/2021</a:t>
+              <a:t>7/27/2021</a:t>
             </a:fld>
             <a:endParaRPr lang="en-US" dirty="0"/>
           </a:p>
@@ -7286,7 +7293,7 @@
             <a:fld id="{B41ABA4E-CD72-497B-97AA-7213B3980F60}" type="datetimeFigureOut">
               <a:rPr lang="en-US" smtClean="0"/>
               <a:pPr/>
-              <a:t>7/25/2021</a:t>
+              <a:t>7/27/2021</a:t>
             </a:fld>
             <a:endParaRPr lang="en-US" dirty="0"/>
           </a:p>
@@ -7401,7 +7408,7 @@
             <a:fld id="{B41ABA4E-CD72-497B-97AA-7213B3980F60}" type="datetimeFigureOut">
               <a:rPr lang="en-US" smtClean="0"/>
               <a:pPr/>
-              <a:t>7/25/2021</a:t>
+              <a:t>7/27/2021</a:t>
             </a:fld>
             <a:endParaRPr lang="en-US" dirty="0"/>
           </a:p>
@@ -7671,7 +7678,7 @@
             <a:fld id="{B41ABA4E-CD72-497B-97AA-7213B3980F60}" type="datetimeFigureOut">
               <a:rPr lang="en-US" smtClean="0"/>
               <a:pPr/>
-              <a:t>7/25/2021</a:t>
+              <a:t>7/27/2021</a:t>
             </a:fld>
             <a:endParaRPr lang="en-US" dirty="0"/>
           </a:p>
@@ -7874,7 +7881,7 @@
             <a:fld id="{B41ABA4E-CD72-497B-97AA-7213B3980F60}" type="datetimeFigureOut">
               <a:rPr lang="en-US" smtClean="0"/>
               <a:pPr/>
-              <a:t>7/25/2021</a:t>
+              <a:t>7/27/2021</a:t>
             </a:fld>
             <a:endParaRPr lang="en-US" dirty="0"/>
           </a:p>
@@ -9069,7 +9076,7 @@
             <a:fld id="{B41ABA4E-CD72-497B-97AA-7213B3980F60}" type="datetimeFigureOut">
               <a:rPr lang="en-US" smtClean="0"/>
               <a:pPr/>
-              <a:t>7/25/2021</a:t>
+              <a:t>7/27/2021</a:t>
             </a:fld>
             <a:endParaRPr lang="en-US" dirty="0"/>
           </a:p>
@@ -10456,7 +10463,7 @@
           <p:spPr>
             <a:xfrm>
               <a:off x="6888088" y="5112317"/>
-              <a:ext cx="3310419" cy="0"/>
+              <a:ext cx="3284112" cy="0"/>
             </a:xfrm>
             <a:prstGeom prst="line">
               <a:avLst/>
@@ -10589,9 +10596,9 @@
             <p:nvPr/>
           </p:nvCxnSpPr>
           <p:spPr>
-            <a:xfrm flipH="1">
-              <a:off x="6987791" y="3084143"/>
-              <a:ext cx="14187" cy="2558863"/>
+            <a:xfrm>
+              <a:off x="7001979" y="3084143"/>
+              <a:ext cx="0" cy="2562146"/>
             </a:xfrm>
             <a:prstGeom prst="straightConnector1">
               <a:avLst/>
@@ -12188,14 +12195,28 @@
           <a:p>
             <a:r>
               <a:rPr lang="pt-BR" dirty="0"/>
-              <a:t>O registro winRect é modificado para um </a:t>
+              <a:t>O </a:t>
+            </a:r>
+            <a:r>
+              <a:rPr lang="pt-BR" dirty="0">
+                <a:solidFill>
+                  <a:schemeClr val="accent1">
+                    <a:lumMod val="75000"/>
+                  </a:schemeClr>
+                </a:solidFill>
+              </a:rPr>
+              <a:t>registro é modificado </a:t>
+            </a:r>
+            <a:r>
+              <a:rPr lang="pt-BR" dirty="0"/>
+              <a:t>para um tamanho </a:t>
             </a:r>
             <a:br>
               <a:rPr lang="pt-BR" dirty="0"/>
             </a:br>
             <a:r>
               <a:rPr lang="pt-BR" dirty="0"/>
-              <a:t>tamanho que comporte a área cliente desejada</a:t>
+              <a:t>que comporte a área cliente desejada</a:t>
             </a:r>
           </a:p>
         </p:txBody>
@@ -13582,7 +13603,31 @@
                 <a:latin typeface="Consolas" pitchFamily="49" charset="0"/>
                 <a:cs typeface="Consolas" pitchFamily="49" charset="0"/>
               </a:rPr>
-              <a:t> = (GetSystemMetrics(</a:t>
+              <a:t> = </a:t>
+            </a:r>
+            <a:r>
+              <a:rPr lang="pt-BR" sz="1600" dirty="0" err="1">
+                <a:solidFill>
+                  <a:schemeClr val="bg1">
+                    <a:lumMod val="85000"/>
+                  </a:schemeClr>
+                </a:solidFill>
+                <a:latin typeface="Consolas" pitchFamily="49" charset="0"/>
+                <a:cs typeface="Consolas" pitchFamily="49" charset="0"/>
+              </a:rPr>
+              <a:t>GetSystemMetrics</a:t>
+            </a:r>
+            <a:r>
+              <a:rPr lang="pt-BR" sz="1600" dirty="0">
+                <a:solidFill>
+                  <a:schemeClr val="bg1">
+                    <a:lumMod val="85000"/>
+                  </a:schemeClr>
+                </a:solidFill>
+                <a:latin typeface="Consolas" pitchFamily="49" charset="0"/>
+                <a:cs typeface="Consolas" pitchFamily="49" charset="0"/>
+              </a:rPr>
+              <a:t>(</a:t>
             </a:r>
             <a:r>
               <a:rPr lang="pt-BR" sz="1600" dirty="0">
@@ -13606,7 +13651,7 @@
                 <a:latin typeface="Consolas" pitchFamily="49" charset="0"/>
                 <a:cs typeface="Consolas" pitchFamily="49" charset="0"/>
               </a:rPr>
-              <a:t>)/2) - ((winRect.right - winRect.left)/2);</a:t>
+              <a:t>)/2 - (winRect.right - winRect.left)/2;</a:t>
             </a:r>
           </a:p>
           <a:p>
@@ -13656,7 +13701,31 @@
                 <a:latin typeface="Consolas" pitchFamily="49" charset="0"/>
                 <a:cs typeface="Consolas" pitchFamily="49" charset="0"/>
               </a:rPr>
-              <a:t> = (GetSystemMetrics(</a:t>
+              <a:t> = </a:t>
+            </a:r>
+            <a:r>
+              <a:rPr lang="pt-BR" sz="1600" dirty="0" err="1">
+                <a:solidFill>
+                  <a:schemeClr val="bg1">
+                    <a:lumMod val="85000"/>
+                  </a:schemeClr>
+                </a:solidFill>
+                <a:latin typeface="Consolas" pitchFamily="49" charset="0"/>
+                <a:cs typeface="Consolas" pitchFamily="49" charset="0"/>
+              </a:rPr>
+              <a:t>GetSystemMetrics</a:t>
+            </a:r>
+            <a:r>
+              <a:rPr lang="pt-BR" sz="1600" dirty="0">
+                <a:solidFill>
+                  <a:schemeClr val="bg1">
+                    <a:lumMod val="85000"/>
+                  </a:schemeClr>
+                </a:solidFill>
+                <a:latin typeface="Consolas" pitchFamily="49" charset="0"/>
+                <a:cs typeface="Consolas" pitchFamily="49" charset="0"/>
+              </a:rPr>
+              <a:t>(</a:t>
             </a:r>
             <a:r>
               <a:rPr lang="pt-BR" sz="1600" dirty="0">
@@ -13680,7 +13749,7 @@
                 <a:latin typeface="Consolas" pitchFamily="49" charset="0"/>
                 <a:cs typeface="Consolas" pitchFamily="49" charset="0"/>
               </a:rPr>
-              <a:t>)/2) - ((winRect.bottom - winRect.top)/2);</a:t>
+              <a:t>)/2 - (winRect.bottom - winRect.top)/2;</a:t>
             </a:r>
           </a:p>
           <a:p>
@@ -13942,22 +14011,10 @@
                 <a:latin typeface="Consolas" pitchFamily="49" charset="0"/>
                 <a:cs typeface="Consolas" pitchFamily="49" charset="0"/>
               </a:rPr>
-              <a:t>    </a:t>
-            </a:r>
-            <a:r>
-              <a:rPr lang="pt-BR" sz="1600">
-                <a:solidFill>
-                  <a:schemeClr val="accent1">
-                    <a:lumMod val="75000"/>
-                  </a:schemeClr>
-                </a:solidFill>
-                <a:latin typeface="Consolas" pitchFamily="49" charset="0"/>
-                <a:cs typeface="Consolas" pitchFamily="49" charset="0"/>
-              </a:rPr>
-              <a:t>TRUE</a:t>
-            </a:r>
-            <a:r>
-              <a:rPr lang="pt-BR" sz="1600">
+              <a:t>    TRUE</a:t>
+            </a:r>
+            <a:r>
+              <a:rPr lang="pt-BR" sz="1600" dirty="0">
                 <a:solidFill>
                   <a:schemeClr val="bg1">
                     <a:lumMod val="85000"/>
@@ -13969,7 +14026,7 @@
               <a:t>);                               </a:t>
             </a:r>
             <a:r>
-              <a:rPr lang="pt-BR" sz="1600">
+              <a:rPr lang="pt-BR" sz="1600" dirty="0">
                 <a:solidFill>
                   <a:schemeClr val="tx1">
                     <a:lumMod val="75000"/>
@@ -13979,20 +14036,7 @@
                 <a:latin typeface="Consolas" pitchFamily="49" charset="0"/>
                 <a:cs typeface="Consolas" pitchFamily="49" charset="0"/>
               </a:rPr>
-              <a:t>// </a:t>
-            </a:r>
-            <a:r>
-              <a:rPr lang="pt-BR" sz="1600" dirty="0">
-                <a:solidFill>
-                  <a:schemeClr val="tx1">
-                    <a:lumMod val="75000"/>
-                    <a:lumOff val="25000"/>
-                  </a:schemeClr>
-                </a:solidFill>
-                <a:latin typeface="Consolas" pitchFamily="49" charset="0"/>
-                <a:cs typeface="Consolas" pitchFamily="49" charset="0"/>
-              </a:rPr>
-              <a:t>repintar</a:t>
+              <a:t>// repintar</a:t>
             </a:r>
           </a:p>
         </p:txBody>
@@ -14587,7 +14631,7 @@
             </a:r>
             <a:r>
               <a:rPr lang="pt-BR" dirty="0"/>
-              <a:t> na tala</a:t>
+              <a:t> na tela</a:t>
             </a:r>
             <a:endParaRPr lang="pt-BR" dirty="0">
               <a:solidFill>
@@ -16437,7 +16481,7 @@
                 <a:latin typeface="Consolas" pitchFamily="49" charset="0"/>
                 <a:cs typeface="Consolas" pitchFamily="49" charset="0"/>
               </a:rPr>
-              <a:t> = </a:t>
+              <a:t>   = </a:t>
             </a:r>
             <a:r>
               <a:rPr lang="pt-BR" sz="1600" dirty="0" err="1">
